--- a/assets/images/portfolio/tiles.pptx
+++ b/assets/images/portfolio/tiles.pptx
@@ -263,7 +263,7 @@
           <a:p>
             <a:fld id="{3284A63B-BAAB-D946-B457-BF64805384EF}" type="datetimeFigureOut">
               <a:rPr lang="en-GB" smtClean="0"/>
-              <a:t>06/04/2020</a:t>
+              <a:t>17/04/2020</a:t>
             </a:fld>
             <a:endParaRPr lang="en-GB"/>
           </a:p>
@@ -463,7 +463,7 @@
           <a:p>
             <a:fld id="{3284A63B-BAAB-D946-B457-BF64805384EF}" type="datetimeFigureOut">
               <a:rPr lang="en-GB" smtClean="0"/>
-              <a:t>06/04/2020</a:t>
+              <a:t>17/04/2020</a:t>
             </a:fld>
             <a:endParaRPr lang="en-GB"/>
           </a:p>
@@ -673,7 +673,7 @@
           <a:p>
             <a:fld id="{3284A63B-BAAB-D946-B457-BF64805384EF}" type="datetimeFigureOut">
               <a:rPr lang="en-GB" smtClean="0"/>
-              <a:t>06/04/2020</a:t>
+              <a:t>17/04/2020</a:t>
             </a:fld>
             <a:endParaRPr lang="en-GB"/>
           </a:p>
@@ -873,7 +873,7 @@
           <a:p>
             <a:fld id="{3284A63B-BAAB-D946-B457-BF64805384EF}" type="datetimeFigureOut">
               <a:rPr lang="en-GB" smtClean="0"/>
-              <a:t>06/04/2020</a:t>
+              <a:t>17/04/2020</a:t>
             </a:fld>
             <a:endParaRPr lang="en-GB"/>
           </a:p>
@@ -1149,7 +1149,7 @@
           <a:p>
             <a:fld id="{3284A63B-BAAB-D946-B457-BF64805384EF}" type="datetimeFigureOut">
               <a:rPr lang="en-GB" smtClean="0"/>
-              <a:t>06/04/2020</a:t>
+              <a:t>17/04/2020</a:t>
             </a:fld>
             <a:endParaRPr lang="en-GB"/>
           </a:p>
@@ -1417,7 +1417,7 @@
           <a:p>
             <a:fld id="{3284A63B-BAAB-D946-B457-BF64805384EF}" type="datetimeFigureOut">
               <a:rPr lang="en-GB" smtClean="0"/>
-              <a:t>06/04/2020</a:t>
+              <a:t>17/04/2020</a:t>
             </a:fld>
             <a:endParaRPr lang="en-GB"/>
           </a:p>
@@ -1832,7 +1832,7 @@
           <a:p>
             <a:fld id="{3284A63B-BAAB-D946-B457-BF64805384EF}" type="datetimeFigureOut">
               <a:rPr lang="en-GB" smtClean="0"/>
-              <a:t>06/04/2020</a:t>
+              <a:t>17/04/2020</a:t>
             </a:fld>
             <a:endParaRPr lang="en-GB"/>
           </a:p>
@@ -1974,7 +1974,7 @@
           <a:p>
             <a:fld id="{3284A63B-BAAB-D946-B457-BF64805384EF}" type="datetimeFigureOut">
               <a:rPr lang="en-GB" smtClean="0"/>
-              <a:t>06/04/2020</a:t>
+              <a:t>17/04/2020</a:t>
             </a:fld>
             <a:endParaRPr lang="en-GB"/>
           </a:p>
@@ -2087,7 +2087,7 @@
           <a:p>
             <a:fld id="{3284A63B-BAAB-D946-B457-BF64805384EF}" type="datetimeFigureOut">
               <a:rPr lang="en-GB" smtClean="0"/>
-              <a:t>06/04/2020</a:t>
+              <a:t>17/04/2020</a:t>
             </a:fld>
             <a:endParaRPr lang="en-GB"/>
           </a:p>
@@ -2400,7 +2400,7 @@
           <a:p>
             <a:fld id="{3284A63B-BAAB-D946-B457-BF64805384EF}" type="datetimeFigureOut">
               <a:rPr lang="en-GB" smtClean="0"/>
-              <a:t>06/04/2020</a:t>
+              <a:t>17/04/2020</a:t>
             </a:fld>
             <a:endParaRPr lang="en-GB"/>
           </a:p>
@@ -2689,7 +2689,7 @@
           <a:p>
             <a:fld id="{3284A63B-BAAB-D946-B457-BF64805384EF}" type="datetimeFigureOut">
               <a:rPr lang="en-GB" smtClean="0"/>
-              <a:t>06/04/2020</a:t>
+              <a:t>17/04/2020</a:t>
             </a:fld>
             <a:endParaRPr lang="en-GB"/>
           </a:p>
@@ -2932,7 +2932,7 @@
           <a:p>
             <a:fld id="{3284A63B-BAAB-D946-B457-BF64805384EF}" type="datetimeFigureOut">
               <a:rPr lang="en-GB" smtClean="0"/>
-              <a:t>06/04/2020</a:t>
+              <a:t>17/04/2020</a:t>
             </a:fld>
             <a:endParaRPr lang="en-GB"/>
           </a:p>
@@ -3922,9 +3922,9 @@
         <p:grpSpPr>
           <a:xfrm>
             <a:off x="4929728" y="693596"/>
-            <a:ext cx="2371186" cy="1684621"/>
+            <a:ext cx="2246816" cy="1684621"/>
             <a:chOff x="1120375" y="690836"/>
-            <a:chExt cx="2371186" cy="1684621"/>
+            <a:chExt cx="2246816" cy="1684621"/>
           </a:xfrm>
         </p:grpSpPr>
         <p:sp>
@@ -3942,7 +3942,7 @@
           <p:spPr>
             <a:xfrm>
               <a:off x="1120375" y="690836"/>
-              <a:ext cx="2371186" cy="1150700"/>
+              <a:ext cx="2246816" cy="1150700"/>
             </a:xfrm>
             <a:prstGeom prst="rect">
               <a:avLst/>
@@ -3995,7 +3995,7 @@
                   <a:latin typeface="Poppins SemiBold" pitchFamily="2" charset="77"/>
                   <a:cs typeface="Poppins SemiBold" pitchFamily="2" charset="77"/>
                 </a:rPr>
-                <a:t>CLASSIFICATION</a:t>
+                <a:t>ANALYSIS</a:t>
               </a:r>
             </a:p>
           </p:txBody>
@@ -6285,189 +6285,6 @@
       </p:grpSp>
       <p:grpSp>
         <p:nvGrpSpPr>
-          <p:cNvPr id="41" name="Groupe 40">
-            <a:extLst>
-              <a:ext uri="{FF2B5EF4-FFF2-40B4-BE49-F238E27FC236}">
-                <a16:creationId xmlns:a16="http://schemas.microsoft.com/office/drawing/2014/main" id="{89F6A97F-E122-8C47-AE2C-A2ABF679114D}"/>
-              </a:ext>
-            </a:extLst>
-          </p:cNvPr>
-          <p:cNvGrpSpPr/>
-          <p:nvPr/>
-        </p:nvGrpSpPr>
-        <p:grpSpPr>
-          <a:xfrm>
-            <a:off x="8738537" y="4494071"/>
-            <a:ext cx="2246816" cy="1684621"/>
-            <a:chOff x="1120375" y="690836"/>
-            <a:chExt cx="2246816" cy="1684621"/>
-          </a:xfrm>
-        </p:grpSpPr>
-        <p:sp>
-          <p:nvSpPr>
-            <p:cNvPr id="42" name="ZoneTexte 41">
-              <a:extLst>
-                <a:ext uri="{FF2B5EF4-FFF2-40B4-BE49-F238E27FC236}">
-                  <a16:creationId xmlns:a16="http://schemas.microsoft.com/office/drawing/2014/main" id="{549CBA2C-B3D4-1242-B079-D06443C18F10}"/>
-                </a:ext>
-              </a:extLst>
-            </p:cNvPr>
-            <p:cNvSpPr txBox="1"/>
-            <p:nvPr/>
-          </p:nvSpPr>
-          <p:spPr>
-            <a:xfrm>
-              <a:off x="1120375" y="690836"/>
-              <a:ext cx="2133600" cy="795218"/>
-            </a:xfrm>
-            <a:prstGeom prst="rect">
-              <a:avLst/>
-            </a:prstGeom>
-            <a:noFill/>
-          </p:spPr>
-          <p:txBody>
-            <a:bodyPr wrap="square" rtlCol="0">
-              <a:spAutoFit/>
-            </a:bodyPr>
-            <a:lstStyle/>
-            <a:p>
-              <a:pPr>
-                <a:lnSpc>
-                  <a:spcPct val="110000"/>
-                </a:lnSpc>
-              </a:pPr>
-              <a:r>
-                <a:rPr lang="en-GB" sz="2100" b="1" spc="100" dirty="0">
-                  <a:solidFill>
-                    <a:schemeClr val="bg1"/>
-                  </a:solidFill>
-                  <a:latin typeface="Poppins SemiBold" pitchFamily="2" charset="77"/>
-                  <a:cs typeface="Poppins SemiBold" pitchFamily="2" charset="77"/>
-                </a:rPr>
-                <a:t>XX</a:t>
-              </a:r>
-            </a:p>
-            <a:p>
-              <a:pPr>
-                <a:lnSpc>
-                  <a:spcPct val="110000"/>
-                </a:lnSpc>
-              </a:pPr>
-              <a:endParaRPr lang="en-GB" sz="2100" b="1" spc="100" dirty="0">
-                <a:solidFill>
-                  <a:schemeClr val="bg1"/>
-                </a:solidFill>
-                <a:latin typeface="Poppins SemiBold" pitchFamily="2" charset="77"/>
-                <a:cs typeface="Poppins SemiBold" pitchFamily="2" charset="77"/>
-              </a:endParaRPr>
-            </a:p>
-          </p:txBody>
-        </p:sp>
-        <p:sp>
-          <p:nvSpPr>
-            <p:cNvPr id="43" name="Rectangle 42">
-              <a:extLst>
-                <a:ext uri="{FF2B5EF4-FFF2-40B4-BE49-F238E27FC236}">
-                  <a16:creationId xmlns:a16="http://schemas.microsoft.com/office/drawing/2014/main" id="{B4B1EAF2-E95B-7241-A946-5D459AA8F8C9}"/>
-                </a:ext>
-              </a:extLst>
-            </p:cNvPr>
-            <p:cNvSpPr/>
-            <p:nvPr/>
-          </p:nvSpPr>
-          <p:spPr>
-            <a:xfrm>
-              <a:off x="1207191" y="1873024"/>
-              <a:ext cx="2160000" cy="144000"/>
-            </a:xfrm>
-            <a:prstGeom prst="rect">
-              <a:avLst/>
-            </a:prstGeom>
-            <a:solidFill>
-              <a:schemeClr val="tx1">
-                <a:lumMod val="50000"/>
-                <a:lumOff val="50000"/>
-                <a:alpha val="77000"/>
-              </a:schemeClr>
-            </a:solidFill>
-            <a:ln>
-              <a:noFill/>
-            </a:ln>
-          </p:spPr>
-          <p:style>
-            <a:lnRef idx="2">
-              <a:schemeClr val="accent1">
-                <a:shade val="50000"/>
-              </a:schemeClr>
-            </a:lnRef>
-            <a:fillRef idx="1">
-              <a:schemeClr val="accent1"/>
-            </a:fillRef>
-            <a:effectRef idx="0">
-              <a:schemeClr val="accent1"/>
-            </a:effectRef>
-            <a:fontRef idx="minor">
-              <a:schemeClr val="lt1"/>
-            </a:fontRef>
-          </p:style>
-          <p:txBody>
-            <a:bodyPr rtlCol="0" anchor="ctr"/>
-            <a:lstStyle/>
-            <a:p>
-              <a:pPr algn="ctr"/>
-              <a:endParaRPr lang="en-GB" dirty="0"/>
-            </a:p>
-          </p:txBody>
-        </p:sp>
-        <p:sp>
-          <p:nvSpPr>
-            <p:cNvPr id="44" name="ZoneTexte 43">
-              <a:extLst>
-                <a:ext uri="{FF2B5EF4-FFF2-40B4-BE49-F238E27FC236}">
-                  <a16:creationId xmlns:a16="http://schemas.microsoft.com/office/drawing/2014/main" id="{8F7C761B-50E5-3E43-83B5-732DBF38CB7A}"/>
-                </a:ext>
-              </a:extLst>
-            </p:cNvPr>
-            <p:cNvSpPr txBox="1"/>
-            <p:nvPr/>
-          </p:nvSpPr>
-          <p:spPr>
-            <a:xfrm>
-              <a:off x="1120375" y="2084608"/>
-              <a:ext cx="2133600" cy="290849"/>
-            </a:xfrm>
-            <a:prstGeom prst="rect">
-              <a:avLst/>
-            </a:prstGeom>
-            <a:noFill/>
-          </p:spPr>
-          <p:txBody>
-            <a:bodyPr wrap="square" rtlCol="0">
-              <a:spAutoFit/>
-            </a:bodyPr>
-            <a:lstStyle/>
-            <a:p>
-              <a:pPr>
-                <a:lnSpc>
-                  <a:spcPct val="110000"/>
-                </a:lnSpc>
-              </a:pPr>
-              <a:r>
-                <a:rPr lang="en-GB" sz="1200" b="1" spc="80" dirty="0">
-                  <a:solidFill>
-                    <a:schemeClr val="bg1"/>
-                  </a:solidFill>
-                  <a:latin typeface="Poppins SemiBold" pitchFamily="2" charset="77"/>
-                  <a:cs typeface="Poppins SemiBold" pitchFamily="2" charset="77"/>
-                </a:rPr>
-                <a:t>FLASK APP – APR 2020 </a:t>
-              </a:r>
-            </a:p>
-          </p:txBody>
-        </p:sp>
-      </p:grpSp>
-      <p:grpSp>
-        <p:nvGrpSpPr>
           <p:cNvPr id="45" name="Groupe 44">
             <a:extLst>
               <a:ext uri="{FF2B5EF4-FFF2-40B4-BE49-F238E27FC236}">
@@ -6657,6 +6474,175 @@
                   <a:cs typeface="Poppins SemiBold" pitchFamily="2" charset="77"/>
                 </a:rPr>
                 <a:t>DL, PYTHON – NOV 2019 </a:t>
+              </a:r>
+            </a:p>
+          </p:txBody>
+        </p:sp>
+      </p:grpSp>
+      <p:grpSp>
+        <p:nvGrpSpPr>
+          <p:cNvPr id="49" name="Groupe 48">
+            <a:extLst>
+              <a:ext uri="{FF2B5EF4-FFF2-40B4-BE49-F238E27FC236}">
+                <a16:creationId xmlns:a16="http://schemas.microsoft.com/office/drawing/2014/main" id="{8507B65B-BB37-CC49-BC06-6B68D2BC2C87}"/>
+              </a:ext>
+            </a:extLst>
+          </p:cNvPr>
+          <p:cNvGrpSpPr/>
+          <p:nvPr/>
+        </p:nvGrpSpPr>
+        <p:grpSpPr>
+          <a:xfrm>
+            <a:off x="8738536" y="4494071"/>
+            <a:ext cx="2330709" cy="1684621"/>
+            <a:chOff x="1120374" y="690836"/>
+            <a:chExt cx="2330709" cy="1684621"/>
+          </a:xfrm>
+        </p:grpSpPr>
+        <p:sp>
+          <p:nvSpPr>
+            <p:cNvPr id="50" name="ZoneTexte 49">
+              <a:extLst>
+                <a:ext uri="{FF2B5EF4-FFF2-40B4-BE49-F238E27FC236}">
+                  <a16:creationId xmlns:a16="http://schemas.microsoft.com/office/drawing/2014/main" id="{7F933084-DEB1-E147-955C-3C4425FEE3E3}"/>
+                </a:ext>
+              </a:extLst>
+            </p:cNvPr>
+            <p:cNvSpPr txBox="1"/>
+            <p:nvPr/>
+          </p:nvSpPr>
+          <p:spPr>
+            <a:xfrm>
+              <a:off x="1120374" y="690836"/>
+              <a:ext cx="2330709" cy="1150700"/>
+            </a:xfrm>
+            <a:prstGeom prst="rect">
+              <a:avLst/>
+            </a:prstGeom>
+            <a:noFill/>
+          </p:spPr>
+          <p:txBody>
+            <a:bodyPr wrap="square" rtlCol="0">
+              <a:spAutoFit/>
+            </a:bodyPr>
+            <a:lstStyle/>
+            <a:p>
+              <a:pPr>
+                <a:lnSpc>
+                  <a:spcPct val="110000"/>
+                </a:lnSpc>
+              </a:pPr>
+              <a:r>
+                <a:rPr lang="en-GB" sz="2100" b="1" spc="100" dirty="0">
+                  <a:solidFill>
+                    <a:schemeClr val="bg1"/>
+                  </a:solidFill>
+                  <a:latin typeface="Poppins SemiBold" pitchFamily="2" charset="77"/>
+                  <a:cs typeface="Poppins SemiBold" pitchFamily="2" charset="77"/>
+                </a:rPr>
+                <a:t>ANIMATED METEO DATA VISUALIZATION</a:t>
+              </a:r>
+            </a:p>
+          </p:txBody>
+        </p:sp>
+        <p:sp>
+          <p:nvSpPr>
+            <p:cNvPr id="51" name="Rectangle 50">
+              <a:extLst>
+                <a:ext uri="{FF2B5EF4-FFF2-40B4-BE49-F238E27FC236}">
+                  <a16:creationId xmlns:a16="http://schemas.microsoft.com/office/drawing/2014/main" id="{E5EB4F39-B2F7-4741-A8C2-C32F03DD0A1B}"/>
+                </a:ext>
+              </a:extLst>
+            </p:cNvPr>
+            <p:cNvSpPr/>
+            <p:nvPr/>
+          </p:nvSpPr>
+          <p:spPr>
+            <a:xfrm>
+              <a:off x="1207191" y="1873024"/>
+              <a:ext cx="2160000" cy="144000"/>
+            </a:xfrm>
+            <a:prstGeom prst="rect">
+              <a:avLst/>
+            </a:prstGeom>
+            <a:solidFill>
+              <a:schemeClr val="tx1">
+                <a:lumMod val="50000"/>
+                <a:lumOff val="50000"/>
+                <a:alpha val="77000"/>
+              </a:schemeClr>
+            </a:solidFill>
+            <a:ln>
+              <a:noFill/>
+            </a:ln>
+          </p:spPr>
+          <p:style>
+            <a:lnRef idx="2">
+              <a:schemeClr val="accent1">
+                <a:shade val="50000"/>
+              </a:schemeClr>
+            </a:lnRef>
+            <a:fillRef idx="1">
+              <a:schemeClr val="accent1"/>
+            </a:fillRef>
+            <a:effectRef idx="0">
+              <a:schemeClr val="accent1"/>
+            </a:effectRef>
+            <a:fontRef idx="minor">
+              <a:schemeClr val="lt1"/>
+            </a:fontRef>
+          </p:style>
+          <p:txBody>
+            <a:bodyPr rtlCol="0" anchor="ctr"/>
+            <a:lstStyle/>
+            <a:p>
+              <a:pPr algn="ctr"/>
+              <a:endParaRPr lang="en-GB" dirty="0"/>
+            </a:p>
+          </p:txBody>
+        </p:sp>
+        <p:sp>
+          <p:nvSpPr>
+            <p:cNvPr id="52" name="ZoneTexte 51">
+              <a:extLst>
+                <a:ext uri="{FF2B5EF4-FFF2-40B4-BE49-F238E27FC236}">
+                  <a16:creationId xmlns:a16="http://schemas.microsoft.com/office/drawing/2014/main" id="{72728BE0-DFF7-414B-9AD7-A4AA3137EBFF}"/>
+                </a:ext>
+              </a:extLst>
+            </p:cNvPr>
+            <p:cNvSpPr txBox="1"/>
+            <p:nvPr/>
+          </p:nvSpPr>
+          <p:spPr>
+            <a:xfrm>
+              <a:off x="1120375" y="2084608"/>
+              <a:ext cx="2133600" cy="290849"/>
+            </a:xfrm>
+            <a:prstGeom prst="rect">
+              <a:avLst/>
+            </a:prstGeom>
+            <a:noFill/>
+          </p:spPr>
+          <p:txBody>
+            <a:bodyPr wrap="square" rtlCol="0">
+              <a:spAutoFit/>
+            </a:bodyPr>
+            <a:lstStyle/>
+            <a:p>
+              <a:pPr>
+                <a:lnSpc>
+                  <a:spcPct val="110000"/>
+                </a:lnSpc>
+              </a:pPr>
+              <a:r>
+                <a:rPr lang="en-GB" sz="1200" b="1" spc="80" dirty="0">
+                  <a:solidFill>
+                    <a:schemeClr val="bg1"/>
+                  </a:solidFill>
+                  <a:latin typeface="Poppins SemiBold" pitchFamily="2" charset="77"/>
+                  <a:cs typeface="Poppins SemiBold" pitchFamily="2" charset="77"/>
+                </a:rPr>
+                <a:t>DATAVIZ – APR 2020 </a:t>
               </a:r>
             </a:p>
           </p:txBody>

--- a/assets/images/portfolio/tiles.pptx
+++ b/assets/images/portfolio/tiles.pptx
@@ -263,7 +263,7 @@
           <a:p>
             <a:fld id="{3284A63B-BAAB-D946-B457-BF64805384EF}" type="datetimeFigureOut">
               <a:rPr lang="en-GB" smtClean="0"/>
-              <a:t>17/04/2020</a:t>
+              <a:t>20/04/2020</a:t>
             </a:fld>
             <a:endParaRPr lang="en-GB"/>
           </a:p>
@@ -463,7 +463,7 @@
           <a:p>
             <a:fld id="{3284A63B-BAAB-D946-B457-BF64805384EF}" type="datetimeFigureOut">
               <a:rPr lang="en-GB" smtClean="0"/>
-              <a:t>17/04/2020</a:t>
+              <a:t>20/04/2020</a:t>
             </a:fld>
             <a:endParaRPr lang="en-GB"/>
           </a:p>
@@ -673,7 +673,7 @@
           <a:p>
             <a:fld id="{3284A63B-BAAB-D946-B457-BF64805384EF}" type="datetimeFigureOut">
               <a:rPr lang="en-GB" smtClean="0"/>
-              <a:t>17/04/2020</a:t>
+              <a:t>20/04/2020</a:t>
             </a:fld>
             <a:endParaRPr lang="en-GB"/>
           </a:p>
@@ -873,7 +873,7 @@
           <a:p>
             <a:fld id="{3284A63B-BAAB-D946-B457-BF64805384EF}" type="datetimeFigureOut">
               <a:rPr lang="en-GB" smtClean="0"/>
-              <a:t>17/04/2020</a:t>
+              <a:t>20/04/2020</a:t>
             </a:fld>
             <a:endParaRPr lang="en-GB"/>
           </a:p>
@@ -1149,7 +1149,7 @@
           <a:p>
             <a:fld id="{3284A63B-BAAB-D946-B457-BF64805384EF}" type="datetimeFigureOut">
               <a:rPr lang="en-GB" smtClean="0"/>
-              <a:t>17/04/2020</a:t>
+              <a:t>20/04/2020</a:t>
             </a:fld>
             <a:endParaRPr lang="en-GB"/>
           </a:p>
@@ -1417,7 +1417,7 @@
           <a:p>
             <a:fld id="{3284A63B-BAAB-D946-B457-BF64805384EF}" type="datetimeFigureOut">
               <a:rPr lang="en-GB" smtClean="0"/>
-              <a:t>17/04/2020</a:t>
+              <a:t>20/04/2020</a:t>
             </a:fld>
             <a:endParaRPr lang="en-GB"/>
           </a:p>
@@ -1832,7 +1832,7 @@
           <a:p>
             <a:fld id="{3284A63B-BAAB-D946-B457-BF64805384EF}" type="datetimeFigureOut">
               <a:rPr lang="en-GB" smtClean="0"/>
-              <a:t>17/04/2020</a:t>
+              <a:t>20/04/2020</a:t>
             </a:fld>
             <a:endParaRPr lang="en-GB"/>
           </a:p>
@@ -1974,7 +1974,7 @@
           <a:p>
             <a:fld id="{3284A63B-BAAB-D946-B457-BF64805384EF}" type="datetimeFigureOut">
               <a:rPr lang="en-GB" smtClean="0"/>
-              <a:t>17/04/2020</a:t>
+              <a:t>20/04/2020</a:t>
             </a:fld>
             <a:endParaRPr lang="en-GB"/>
           </a:p>
@@ -2087,7 +2087,7 @@
           <a:p>
             <a:fld id="{3284A63B-BAAB-D946-B457-BF64805384EF}" type="datetimeFigureOut">
               <a:rPr lang="en-GB" smtClean="0"/>
-              <a:t>17/04/2020</a:t>
+              <a:t>20/04/2020</a:t>
             </a:fld>
             <a:endParaRPr lang="en-GB"/>
           </a:p>
@@ -2400,7 +2400,7 @@
           <a:p>
             <a:fld id="{3284A63B-BAAB-D946-B457-BF64805384EF}" type="datetimeFigureOut">
               <a:rPr lang="en-GB" smtClean="0"/>
-              <a:t>17/04/2020</a:t>
+              <a:t>20/04/2020</a:t>
             </a:fld>
             <a:endParaRPr lang="en-GB"/>
           </a:p>
@@ -2689,7 +2689,7 @@
           <a:p>
             <a:fld id="{3284A63B-BAAB-D946-B457-BF64805384EF}" type="datetimeFigureOut">
               <a:rPr lang="en-GB" smtClean="0"/>
-              <a:t>17/04/2020</a:t>
+              <a:t>20/04/2020</a:t>
             </a:fld>
             <a:endParaRPr lang="en-GB"/>
           </a:p>
@@ -2932,7 +2932,7 @@
           <a:p>
             <a:fld id="{3284A63B-BAAB-D946-B457-BF64805384EF}" type="datetimeFigureOut">
               <a:rPr lang="en-GB" smtClean="0"/>
-              <a:t>17/04/2020</a:t>
+              <a:t>20/04/2020</a:t>
             </a:fld>
             <a:endParaRPr lang="en-GB"/>
           </a:p>
@@ -6540,7 +6540,27 @@
                   <a:latin typeface="Poppins SemiBold" pitchFamily="2" charset="77"/>
                   <a:cs typeface="Poppins SemiBold" pitchFamily="2" charset="77"/>
                 </a:rPr>
-                <a:t>ANIMATED METEO DATA VISUALIZATION</a:t>
+                <a:t>ANIMATED </a:t>
+              </a:r>
+              <a:r>
+                <a:rPr lang="en-GB" sz="2100" b="1" spc="60" dirty="0">
+                  <a:solidFill>
+                    <a:schemeClr val="bg1"/>
+                  </a:solidFill>
+                  <a:latin typeface="Poppins SemiBold" pitchFamily="2" charset="77"/>
+                  <a:cs typeface="Poppins SemiBold" pitchFamily="2" charset="77"/>
+                </a:rPr>
+                <a:t>WEATHER DATA </a:t>
+              </a:r>
+              <a:r>
+                <a:rPr lang="en-GB" sz="2100" b="1" spc="100" dirty="0">
+                  <a:solidFill>
+                    <a:schemeClr val="bg1"/>
+                  </a:solidFill>
+                  <a:latin typeface="Poppins SemiBold" pitchFamily="2" charset="77"/>
+                  <a:cs typeface="Poppins SemiBold" pitchFamily="2" charset="77"/>
+                </a:rPr>
+                <a:t>VISUALIZATION</a:t>
               </a:r>
             </a:p>
           </p:txBody>

--- a/assets/images/portfolio/tiles.pptx
+++ b/assets/images/portfolio/tiles.pptx
@@ -7,7 +7,9 @@
   <p:sldIdLst>
     <p:sldId id="256" r:id="rId2"/>
     <p:sldId id="257" r:id="rId3"/>
-    <p:sldId id="258" r:id="rId4"/>
+    <p:sldId id="259" r:id="rId4"/>
+    <p:sldId id="260" r:id="rId5"/>
+    <p:sldId id="258" r:id="rId6"/>
   </p:sldIdLst>
   <p:sldSz cx="12192000" cy="6858000"/>
   <p:notesSz cx="6858000" cy="9144000"/>
@@ -263,7 +265,7 @@
           <a:p>
             <a:fld id="{3284A63B-BAAB-D946-B457-BF64805384EF}" type="datetimeFigureOut">
               <a:rPr lang="en-GB" smtClean="0"/>
-              <a:t>20/04/2020</a:t>
+              <a:t>17/03/2021</a:t>
             </a:fld>
             <a:endParaRPr lang="en-GB"/>
           </a:p>
@@ -463,7 +465,7 @@
           <a:p>
             <a:fld id="{3284A63B-BAAB-D946-B457-BF64805384EF}" type="datetimeFigureOut">
               <a:rPr lang="en-GB" smtClean="0"/>
-              <a:t>20/04/2020</a:t>
+              <a:t>17/03/2021</a:t>
             </a:fld>
             <a:endParaRPr lang="en-GB"/>
           </a:p>
@@ -673,7 +675,7 @@
           <a:p>
             <a:fld id="{3284A63B-BAAB-D946-B457-BF64805384EF}" type="datetimeFigureOut">
               <a:rPr lang="en-GB" smtClean="0"/>
-              <a:t>20/04/2020</a:t>
+              <a:t>17/03/2021</a:t>
             </a:fld>
             <a:endParaRPr lang="en-GB"/>
           </a:p>
@@ -873,7 +875,7 @@
           <a:p>
             <a:fld id="{3284A63B-BAAB-D946-B457-BF64805384EF}" type="datetimeFigureOut">
               <a:rPr lang="en-GB" smtClean="0"/>
-              <a:t>20/04/2020</a:t>
+              <a:t>17/03/2021</a:t>
             </a:fld>
             <a:endParaRPr lang="en-GB"/>
           </a:p>
@@ -1149,7 +1151,7 @@
           <a:p>
             <a:fld id="{3284A63B-BAAB-D946-B457-BF64805384EF}" type="datetimeFigureOut">
               <a:rPr lang="en-GB" smtClean="0"/>
-              <a:t>20/04/2020</a:t>
+              <a:t>17/03/2021</a:t>
             </a:fld>
             <a:endParaRPr lang="en-GB"/>
           </a:p>
@@ -1417,7 +1419,7 @@
           <a:p>
             <a:fld id="{3284A63B-BAAB-D946-B457-BF64805384EF}" type="datetimeFigureOut">
               <a:rPr lang="en-GB" smtClean="0"/>
-              <a:t>20/04/2020</a:t>
+              <a:t>17/03/2021</a:t>
             </a:fld>
             <a:endParaRPr lang="en-GB"/>
           </a:p>
@@ -1832,7 +1834,7 @@
           <a:p>
             <a:fld id="{3284A63B-BAAB-D946-B457-BF64805384EF}" type="datetimeFigureOut">
               <a:rPr lang="en-GB" smtClean="0"/>
-              <a:t>20/04/2020</a:t>
+              <a:t>17/03/2021</a:t>
             </a:fld>
             <a:endParaRPr lang="en-GB"/>
           </a:p>
@@ -1974,7 +1976,7 @@
           <a:p>
             <a:fld id="{3284A63B-BAAB-D946-B457-BF64805384EF}" type="datetimeFigureOut">
               <a:rPr lang="en-GB" smtClean="0"/>
-              <a:t>20/04/2020</a:t>
+              <a:t>17/03/2021</a:t>
             </a:fld>
             <a:endParaRPr lang="en-GB"/>
           </a:p>
@@ -2087,7 +2089,7 @@
           <a:p>
             <a:fld id="{3284A63B-BAAB-D946-B457-BF64805384EF}" type="datetimeFigureOut">
               <a:rPr lang="en-GB" smtClean="0"/>
-              <a:t>20/04/2020</a:t>
+              <a:t>17/03/2021</a:t>
             </a:fld>
             <a:endParaRPr lang="en-GB"/>
           </a:p>
@@ -2400,7 +2402,7 @@
           <a:p>
             <a:fld id="{3284A63B-BAAB-D946-B457-BF64805384EF}" type="datetimeFigureOut">
               <a:rPr lang="en-GB" smtClean="0"/>
-              <a:t>20/04/2020</a:t>
+              <a:t>17/03/2021</a:t>
             </a:fld>
             <a:endParaRPr lang="en-GB"/>
           </a:p>
@@ -2689,7 +2691,7 @@
           <a:p>
             <a:fld id="{3284A63B-BAAB-D946-B457-BF64805384EF}" type="datetimeFigureOut">
               <a:rPr lang="en-GB" smtClean="0"/>
-              <a:t>20/04/2020</a:t>
+              <a:t>17/03/2021</a:t>
             </a:fld>
             <a:endParaRPr lang="en-GB"/>
           </a:p>
@@ -2932,7 +2934,7 @@
           <a:p>
             <a:fld id="{3284A63B-BAAB-D946-B457-BF64805384EF}" type="datetimeFigureOut">
               <a:rPr lang="en-GB" smtClean="0"/>
-              <a:t>20/04/2020</a:t>
+              <a:t>17/03/2021</a:t>
             </a:fld>
             <a:endParaRPr lang="en-GB"/>
           </a:p>
@@ -6698,6 +6700,3169 @@
           <a:chExt cx="0" cy="0"/>
         </a:xfrm>
       </p:grpSpPr>
+      <p:pic>
+        <p:nvPicPr>
+          <p:cNvPr id="4" name="Image 3">
+            <a:extLst>
+              <a:ext uri="{FF2B5EF4-FFF2-40B4-BE49-F238E27FC236}">
+                <a16:creationId xmlns:a16="http://schemas.microsoft.com/office/drawing/2014/main" id="{03F1FE27-C3A3-F341-AFE9-4D8E8BBA86E6}"/>
+              </a:ext>
+            </a:extLst>
+          </p:cNvPr>
+          <p:cNvPicPr>
+            <a:picLocks noChangeAspect="1"/>
+          </p:cNvPicPr>
+          <p:nvPr/>
+        </p:nvPicPr>
+        <p:blipFill rotWithShape="1">
+          <a:blip r:embed="rId2">
+            <a:duotone>
+              <a:prstClr val="black"/>
+              <a:srgbClr val="F6963A">
+                <a:tint val="45000"/>
+                <a:satMod val="400000"/>
+              </a:srgbClr>
+            </a:duotone>
+          </a:blip>
+          <a:srcRect l="129" r="61817" b="33851"/>
+          <a:stretch/>
+        </p:blipFill>
+        <p:spPr>
+          <a:xfrm rot="10800000">
+            <a:off x="765573" y="0"/>
+            <a:ext cx="3043236" cy="3043238"/>
+          </a:xfrm>
+          <a:prstGeom prst="rect">
+            <a:avLst/>
+          </a:prstGeom>
+        </p:spPr>
+      </p:pic>
+      <p:pic>
+        <p:nvPicPr>
+          <p:cNvPr id="5" name="Image 4">
+            <a:extLst>
+              <a:ext uri="{FF2B5EF4-FFF2-40B4-BE49-F238E27FC236}">
+                <a16:creationId xmlns:a16="http://schemas.microsoft.com/office/drawing/2014/main" id="{E82B7705-5CA8-2D40-9BFF-A2D8899D5B5C}"/>
+              </a:ext>
+            </a:extLst>
+          </p:cNvPr>
+          <p:cNvPicPr>
+            <a:picLocks noChangeAspect="1"/>
+          </p:cNvPicPr>
+          <p:nvPr/>
+        </p:nvPicPr>
+        <p:blipFill rotWithShape="1">
+          <a:blip r:embed="rId2">
+            <a:duotone>
+              <a:prstClr val="black"/>
+              <a:srgbClr val="F6963A">
+                <a:tint val="45000"/>
+                <a:satMod val="400000"/>
+              </a:srgbClr>
+            </a:duotone>
+          </a:blip>
+          <a:srcRect l="28600" t="288" r="33346" b="33563"/>
+          <a:stretch/>
+        </p:blipFill>
+        <p:spPr>
+          <a:xfrm rot="10800000">
+            <a:off x="4574382" y="0"/>
+            <a:ext cx="3043236" cy="3043238"/>
+          </a:xfrm>
+          <a:prstGeom prst="rect">
+            <a:avLst/>
+          </a:prstGeom>
+        </p:spPr>
+      </p:pic>
+      <p:pic>
+        <p:nvPicPr>
+          <p:cNvPr id="6" name="Image 5">
+            <a:extLst>
+              <a:ext uri="{FF2B5EF4-FFF2-40B4-BE49-F238E27FC236}">
+                <a16:creationId xmlns:a16="http://schemas.microsoft.com/office/drawing/2014/main" id="{4CEA019F-0EEA-9540-99EA-97204907A344}"/>
+              </a:ext>
+            </a:extLst>
+          </p:cNvPr>
+          <p:cNvPicPr>
+            <a:picLocks noChangeAspect="1"/>
+          </p:cNvPicPr>
+          <p:nvPr/>
+        </p:nvPicPr>
+        <p:blipFill rotWithShape="1">
+          <a:blip r:embed="rId2">
+            <a:duotone>
+              <a:prstClr val="black"/>
+              <a:srgbClr val="F6963A">
+                <a:tint val="45000"/>
+                <a:satMod val="400000"/>
+              </a:srgbClr>
+            </a:duotone>
+          </a:blip>
+          <a:srcRect l="61945" r="1" b="33851"/>
+          <a:stretch/>
+        </p:blipFill>
+        <p:spPr>
+          <a:xfrm rot="10800000">
+            <a:off x="8383191" y="0"/>
+            <a:ext cx="3043236" cy="3043238"/>
+          </a:xfrm>
+          <a:prstGeom prst="rect">
+            <a:avLst/>
+          </a:prstGeom>
+        </p:spPr>
+      </p:pic>
+      <p:pic>
+        <p:nvPicPr>
+          <p:cNvPr id="7" name="Image 6">
+            <a:extLst>
+              <a:ext uri="{FF2B5EF4-FFF2-40B4-BE49-F238E27FC236}">
+                <a16:creationId xmlns:a16="http://schemas.microsoft.com/office/drawing/2014/main" id="{A9AAD343-29D9-6340-AC53-96FE3EC22EBB}"/>
+              </a:ext>
+            </a:extLst>
+          </p:cNvPr>
+          <p:cNvPicPr>
+            <a:picLocks noChangeAspect="1"/>
+          </p:cNvPicPr>
+          <p:nvPr/>
+        </p:nvPicPr>
+        <p:blipFill rotWithShape="1">
+          <a:blip r:embed="rId2">
+            <a:duotone>
+              <a:prstClr val="black"/>
+              <a:srgbClr val="F6963A">
+                <a:tint val="45000"/>
+                <a:satMod val="400000"/>
+              </a:srgbClr>
+            </a:duotone>
+          </a:blip>
+          <a:srcRect l="308" t="33540" r="61638" b="311"/>
+          <a:stretch/>
+        </p:blipFill>
+        <p:spPr>
+          <a:xfrm rot="10800000">
+            <a:off x="765573" y="3814762"/>
+            <a:ext cx="3043236" cy="3043238"/>
+          </a:xfrm>
+          <a:prstGeom prst="rect">
+            <a:avLst/>
+          </a:prstGeom>
+        </p:spPr>
+      </p:pic>
+      <p:pic>
+        <p:nvPicPr>
+          <p:cNvPr id="8" name="Image 7">
+            <a:extLst>
+              <a:ext uri="{FF2B5EF4-FFF2-40B4-BE49-F238E27FC236}">
+                <a16:creationId xmlns:a16="http://schemas.microsoft.com/office/drawing/2014/main" id="{16846792-9DF4-664F-B25A-F7278F3D6E3B}"/>
+              </a:ext>
+            </a:extLst>
+          </p:cNvPr>
+          <p:cNvPicPr>
+            <a:picLocks noChangeAspect="1"/>
+          </p:cNvPicPr>
+          <p:nvPr/>
+        </p:nvPicPr>
+        <p:blipFill rotWithShape="1">
+          <a:blip r:embed="rId2">
+            <a:duotone>
+              <a:prstClr val="black"/>
+              <a:srgbClr val="F6963A">
+                <a:tint val="45000"/>
+                <a:satMod val="400000"/>
+              </a:srgbClr>
+            </a:duotone>
+          </a:blip>
+          <a:srcRect l="29250" t="33851" r="32696"/>
+          <a:stretch/>
+        </p:blipFill>
+        <p:spPr>
+          <a:xfrm rot="10800000">
+            <a:off x="4574382" y="3814762"/>
+            <a:ext cx="3043236" cy="3043238"/>
+          </a:xfrm>
+          <a:prstGeom prst="rect">
+            <a:avLst/>
+          </a:prstGeom>
+        </p:spPr>
+      </p:pic>
+      <p:pic>
+        <p:nvPicPr>
+          <p:cNvPr id="9" name="Image 8">
+            <a:extLst>
+              <a:ext uri="{FF2B5EF4-FFF2-40B4-BE49-F238E27FC236}">
+                <a16:creationId xmlns:a16="http://schemas.microsoft.com/office/drawing/2014/main" id="{83ADAECE-275E-C64E-8111-1CFF77368FE5}"/>
+              </a:ext>
+            </a:extLst>
+          </p:cNvPr>
+          <p:cNvPicPr>
+            <a:picLocks noChangeAspect="1"/>
+          </p:cNvPicPr>
+          <p:nvPr/>
+        </p:nvPicPr>
+        <p:blipFill rotWithShape="1">
+          <a:blip r:embed="rId2">
+            <a:duotone>
+              <a:prstClr val="black"/>
+              <a:srgbClr val="F6963A">
+                <a:tint val="45000"/>
+                <a:satMod val="400000"/>
+              </a:srgbClr>
+            </a:duotone>
+          </a:blip>
+          <a:srcRect l="61137" t="33851" r="809"/>
+          <a:stretch/>
+        </p:blipFill>
+        <p:spPr>
+          <a:xfrm rot="10800000">
+            <a:off x="8383191" y="3814762"/>
+            <a:ext cx="3043236" cy="3043238"/>
+          </a:xfrm>
+          <a:prstGeom prst="rect">
+            <a:avLst/>
+          </a:prstGeom>
+        </p:spPr>
+      </p:pic>
+      <p:sp>
+        <p:nvSpPr>
+          <p:cNvPr id="38" name="Rectangle 37">
+            <a:extLst>
+              <a:ext uri="{FF2B5EF4-FFF2-40B4-BE49-F238E27FC236}">
+                <a16:creationId xmlns:a16="http://schemas.microsoft.com/office/drawing/2014/main" id="{0799D9AD-645C-A943-BC21-2537891DA927}"/>
+              </a:ext>
+            </a:extLst>
+          </p:cNvPr>
+          <p:cNvSpPr/>
+          <p:nvPr/>
+        </p:nvSpPr>
+        <p:spPr>
+          <a:xfrm>
+            <a:off x="765573" y="0"/>
+            <a:ext cx="3043236" cy="3043238"/>
+          </a:xfrm>
+          <a:prstGeom prst="rect">
+            <a:avLst/>
+          </a:prstGeom>
+          <a:solidFill>
+            <a:schemeClr val="tx1">
+              <a:lumMod val="75000"/>
+              <a:lumOff val="25000"/>
+              <a:alpha val="49000"/>
+            </a:schemeClr>
+          </a:solidFill>
+          <a:ln>
+            <a:noFill/>
+          </a:ln>
+        </p:spPr>
+        <p:style>
+          <a:lnRef idx="2">
+            <a:schemeClr val="accent1">
+              <a:shade val="50000"/>
+            </a:schemeClr>
+          </a:lnRef>
+          <a:fillRef idx="1">
+            <a:schemeClr val="accent1"/>
+          </a:fillRef>
+          <a:effectRef idx="0">
+            <a:schemeClr val="accent1"/>
+          </a:effectRef>
+          <a:fontRef idx="minor">
+            <a:schemeClr val="lt1"/>
+          </a:fontRef>
+        </p:style>
+        <p:txBody>
+          <a:bodyPr rtlCol="0" anchor="ctr"/>
+          <a:lstStyle/>
+          <a:p>
+            <a:pPr algn="ctr"/>
+            <a:endParaRPr lang="en-GB"/>
+          </a:p>
+        </p:txBody>
+      </p:sp>
+      <p:sp>
+        <p:nvSpPr>
+          <p:cNvPr id="39" name="Rectangle 38">
+            <a:extLst>
+              <a:ext uri="{FF2B5EF4-FFF2-40B4-BE49-F238E27FC236}">
+                <a16:creationId xmlns:a16="http://schemas.microsoft.com/office/drawing/2014/main" id="{BBFB3EEC-F7B4-B84E-8D54-2D1BF0CE9D34}"/>
+              </a:ext>
+            </a:extLst>
+          </p:cNvPr>
+          <p:cNvSpPr/>
+          <p:nvPr/>
+        </p:nvSpPr>
+        <p:spPr>
+          <a:xfrm>
+            <a:off x="4574382" y="0"/>
+            <a:ext cx="3043236" cy="3043238"/>
+          </a:xfrm>
+          <a:prstGeom prst="rect">
+            <a:avLst/>
+          </a:prstGeom>
+          <a:solidFill>
+            <a:schemeClr val="tx1">
+              <a:lumMod val="75000"/>
+              <a:lumOff val="25000"/>
+              <a:alpha val="49000"/>
+            </a:schemeClr>
+          </a:solidFill>
+          <a:ln>
+            <a:noFill/>
+          </a:ln>
+        </p:spPr>
+        <p:style>
+          <a:lnRef idx="2">
+            <a:schemeClr val="accent1">
+              <a:shade val="50000"/>
+            </a:schemeClr>
+          </a:lnRef>
+          <a:fillRef idx="1">
+            <a:schemeClr val="accent1"/>
+          </a:fillRef>
+          <a:effectRef idx="0">
+            <a:schemeClr val="accent1"/>
+          </a:effectRef>
+          <a:fontRef idx="minor">
+            <a:schemeClr val="lt1"/>
+          </a:fontRef>
+        </p:style>
+        <p:txBody>
+          <a:bodyPr rtlCol="0" anchor="ctr"/>
+          <a:lstStyle/>
+          <a:p>
+            <a:pPr algn="ctr"/>
+            <a:endParaRPr lang="en-GB"/>
+          </a:p>
+        </p:txBody>
+      </p:sp>
+      <p:sp>
+        <p:nvSpPr>
+          <p:cNvPr id="52" name="Rectangle 51">
+            <a:extLst>
+              <a:ext uri="{FF2B5EF4-FFF2-40B4-BE49-F238E27FC236}">
+                <a16:creationId xmlns:a16="http://schemas.microsoft.com/office/drawing/2014/main" id="{2BC807F8-4CC9-CA43-98DA-5C69B4524DFF}"/>
+              </a:ext>
+            </a:extLst>
+          </p:cNvPr>
+          <p:cNvSpPr/>
+          <p:nvPr/>
+        </p:nvSpPr>
+        <p:spPr>
+          <a:xfrm>
+            <a:off x="8383191" y="0"/>
+            <a:ext cx="3043236" cy="3043238"/>
+          </a:xfrm>
+          <a:prstGeom prst="rect">
+            <a:avLst/>
+          </a:prstGeom>
+          <a:solidFill>
+            <a:schemeClr val="tx1">
+              <a:lumMod val="75000"/>
+              <a:lumOff val="25000"/>
+              <a:alpha val="49000"/>
+            </a:schemeClr>
+          </a:solidFill>
+          <a:ln>
+            <a:noFill/>
+          </a:ln>
+        </p:spPr>
+        <p:style>
+          <a:lnRef idx="2">
+            <a:schemeClr val="accent1">
+              <a:shade val="50000"/>
+            </a:schemeClr>
+          </a:lnRef>
+          <a:fillRef idx="1">
+            <a:schemeClr val="accent1"/>
+          </a:fillRef>
+          <a:effectRef idx="0">
+            <a:schemeClr val="accent1"/>
+          </a:effectRef>
+          <a:fontRef idx="minor">
+            <a:schemeClr val="lt1"/>
+          </a:fontRef>
+        </p:style>
+        <p:txBody>
+          <a:bodyPr rtlCol="0" anchor="ctr"/>
+          <a:lstStyle/>
+          <a:p>
+            <a:pPr algn="ctr"/>
+            <a:endParaRPr lang="en-GB"/>
+          </a:p>
+        </p:txBody>
+      </p:sp>
+      <p:sp>
+        <p:nvSpPr>
+          <p:cNvPr id="53" name="Rectangle 52">
+            <a:extLst>
+              <a:ext uri="{FF2B5EF4-FFF2-40B4-BE49-F238E27FC236}">
+                <a16:creationId xmlns:a16="http://schemas.microsoft.com/office/drawing/2014/main" id="{8DC32C78-1D13-C943-99A5-9C996850473F}"/>
+              </a:ext>
+            </a:extLst>
+          </p:cNvPr>
+          <p:cNvSpPr/>
+          <p:nvPr/>
+        </p:nvSpPr>
+        <p:spPr>
+          <a:xfrm>
+            <a:off x="765573" y="3814762"/>
+            <a:ext cx="3043236" cy="3043238"/>
+          </a:xfrm>
+          <a:prstGeom prst="rect">
+            <a:avLst/>
+          </a:prstGeom>
+          <a:solidFill>
+            <a:schemeClr val="tx1">
+              <a:lumMod val="75000"/>
+              <a:lumOff val="25000"/>
+              <a:alpha val="49000"/>
+            </a:schemeClr>
+          </a:solidFill>
+          <a:ln>
+            <a:noFill/>
+          </a:ln>
+        </p:spPr>
+        <p:style>
+          <a:lnRef idx="2">
+            <a:schemeClr val="accent1">
+              <a:shade val="50000"/>
+            </a:schemeClr>
+          </a:lnRef>
+          <a:fillRef idx="1">
+            <a:schemeClr val="accent1"/>
+          </a:fillRef>
+          <a:effectRef idx="0">
+            <a:schemeClr val="accent1"/>
+          </a:effectRef>
+          <a:fontRef idx="minor">
+            <a:schemeClr val="lt1"/>
+          </a:fontRef>
+        </p:style>
+        <p:txBody>
+          <a:bodyPr rtlCol="0" anchor="ctr"/>
+          <a:lstStyle/>
+          <a:p>
+            <a:pPr algn="ctr"/>
+            <a:endParaRPr lang="en-GB"/>
+          </a:p>
+        </p:txBody>
+      </p:sp>
+      <p:sp>
+        <p:nvSpPr>
+          <p:cNvPr id="54" name="Rectangle 53">
+            <a:extLst>
+              <a:ext uri="{FF2B5EF4-FFF2-40B4-BE49-F238E27FC236}">
+                <a16:creationId xmlns:a16="http://schemas.microsoft.com/office/drawing/2014/main" id="{FF256FAB-29E7-A341-A5C8-A2BFF96C04FD}"/>
+              </a:ext>
+            </a:extLst>
+          </p:cNvPr>
+          <p:cNvSpPr/>
+          <p:nvPr/>
+        </p:nvSpPr>
+        <p:spPr>
+          <a:xfrm>
+            <a:off x="4574382" y="3814762"/>
+            <a:ext cx="3043236" cy="3043238"/>
+          </a:xfrm>
+          <a:prstGeom prst="rect">
+            <a:avLst/>
+          </a:prstGeom>
+          <a:solidFill>
+            <a:schemeClr val="tx1">
+              <a:lumMod val="75000"/>
+              <a:lumOff val="25000"/>
+              <a:alpha val="49000"/>
+            </a:schemeClr>
+          </a:solidFill>
+          <a:ln>
+            <a:noFill/>
+          </a:ln>
+        </p:spPr>
+        <p:style>
+          <a:lnRef idx="2">
+            <a:schemeClr val="accent1">
+              <a:shade val="50000"/>
+            </a:schemeClr>
+          </a:lnRef>
+          <a:fillRef idx="1">
+            <a:schemeClr val="accent1"/>
+          </a:fillRef>
+          <a:effectRef idx="0">
+            <a:schemeClr val="accent1"/>
+          </a:effectRef>
+          <a:fontRef idx="minor">
+            <a:schemeClr val="lt1"/>
+          </a:fontRef>
+        </p:style>
+        <p:txBody>
+          <a:bodyPr rtlCol="0" anchor="ctr"/>
+          <a:lstStyle/>
+          <a:p>
+            <a:pPr algn="ctr"/>
+            <a:endParaRPr lang="en-GB"/>
+          </a:p>
+        </p:txBody>
+      </p:sp>
+      <p:sp>
+        <p:nvSpPr>
+          <p:cNvPr id="55" name="Rectangle 54">
+            <a:extLst>
+              <a:ext uri="{FF2B5EF4-FFF2-40B4-BE49-F238E27FC236}">
+                <a16:creationId xmlns:a16="http://schemas.microsoft.com/office/drawing/2014/main" id="{6C13A6C5-1EA4-A245-9125-284793020F08}"/>
+              </a:ext>
+            </a:extLst>
+          </p:cNvPr>
+          <p:cNvSpPr/>
+          <p:nvPr/>
+        </p:nvSpPr>
+        <p:spPr>
+          <a:xfrm>
+            <a:off x="8383191" y="3814762"/>
+            <a:ext cx="3043236" cy="3043238"/>
+          </a:xfrm>
+          <a:prstGeom prst="rect">
+            <a:avLst/>
+          </a:prstGeom>
+          <a:solidFill>
+            <a:schemeClr val="tx1">
+              <a:lumMod val="75000"/>
+              <a:lumOff val="25000"/>
+              <a:alpha val="49000"/>
+            </a:schemeClr>
+          </a:solidFill>
+          <a:ln>
+            <a:noFill/>
+          </a:ln>
+        </p:spPr>
+        <p:style>
+          <a:lnRef idx="2">
+            <a:schemeClr val="accent1">
+              <a:shade val="50000"/>
+            </a:schemeClr>
+          </a:lnRef>
+          <a:fillRef idx="1">
+            <a:schemeClr val="accent1"/>
+          </a:fillRef>
+          <a:effectRef idx="0">
+            <a:schemeClr val="accent1"/>
+          </a:effectRef>
+          <a:fontRef idx="minor">
+            <a:schemeClr val="lt1"/>
+          </a:fontRef>
+        </p:style>
+        <p:txBody>
+          <a:bodyPr rtlCol="0" anchor="ctr"/>
+          <a:lstStyle/>
+          <a:p>
+            <a:pPr algn="ctr"/>
+            <a:endParaRPr lang="en-GB"/>
+          </a:p>
+        </p:txBody>
+      </p:sp>
+      <p:grpSp>
+        <p:nvGrpSpPr>
+          <p:cNvPr id="27" name="Groupe 26">
+            <a:extLst>
+              <a:ext uri="{FF2B5EF4-FFF2-40B4-BE49-F238E27FC236}">
+                <a16:creationId xmlns:a16="http://schemas.microsoft.com/office/drawing/2014/main" id="{63EA30A3-9CBA-8A4D-92A5-D9D699AECE46}"/>
+              </a:ext>
+            </a:extLst>
+          </p:cNvPr>
+          <p:cNvGrpSpPr/>
+          <p:nvPr/>
+        </p:nvGrpSpPr>
+        <p:grpSpPr>
+          <a:xfrm>
+            <a:off x="4929728" y="693596"/>
+            <a:ext cx="2246816" cy="1684621"/>
+            <a:chOff x="1120375" y="690836"/>
+            <a:chExt cx="2246816" cy="1684621"/>
+          </a:xfrm>
+        </p:grpSpPr>
+        <p:sp>
+          <p:nvSpPr>
+            <p:cNvPr id="28" name="ZoneTexte 27">
+              <a:extLst>
+                <a:ext uri="{FF2B5EF4-FFF2-40B4-BE49-F238E27FC236}">
+                  <a16:creationId xmlns:a16="http://schemas.microsoft.com/office/drawing/2014/main" id="{6C7A5730-7D4C-F245-8E61-E45B9078C95C}"/>
+                </a:ext>
+              </a:extLst>
+            </p:cNvPr>
+            <p:cNvSpPr txBox="1"/>
+            <p:nvPr/>
+          </p:nvSpPr>
+          <p:spPr>
+            <a:xfrm>
+              <a:off x="1120375" y="690836"/>
+              <a:ext cx="2246816" cy="1150700"/>
+            </a:xfrm>
+            <a:prstGeom prst="rect">
+              <a:avLst/>
+            </a:prstGeom>
+            <a:noFill/>
+          </p:spPr>
+          <p:txBody>
+            <a:bodyPr wrap="square" rIns="0" rtlCol="0">
+              <a:spAutoFit/>
+            </a:bodyPr>
+            <a:lstStyle/>
+            <a:p>
+              <a:pPr>
+                <a:lnSpc>
+                  <a:spcPct val="110000"/>
+                </a:lnSpc>
+              </a:pPr>
+              <a:r>
+                <a:rPr lang="en-GB" sz="2100" b="1" spc="100" dirty="0">
+                  <a:solidFill>
+                    <a:schemeClr val="bg1"/>
+                  </a:solidFill>
+                  <a:latin typeface="Poppins SemiBold" pitchFamily="2" charset="77"/>
+                  <a:cs typeface="Poppins SemiBold" pitchFamily="2" charset="77"/>
+                </a:rPr>
+                <a:t>DATA </a:t>
+              </a:r>
+            </a:p>
+            <a:p>
+              <a:pPr>
+                <a:lnSpc>
+                  <a:spcPct val="110000"/>
+                </a:lnSpc>
+              </a:pPr>
+              <a:r>
+                <a:rPr lang="en-GB" sz="2100" b="1" spc="100" dirty="0">
+                  <a:solidFill>
+                    <a:schemeClr val="bg1"/>
+                  </a:solidFill>
+                  <a:latin typeface="Poppins SemiBold" pitchFamily="2" charset="77"/>
+                  <a:cs typeface="Poppins SemiBold" pitchFamily="2" charset="77"/>
+                </a:rPr>
+                <a:t>COMPLIANCE </a:t>
+              </a:r>
+              <a:r>
+                <a:rPr lang="en-GB" sz="2100" b="1" spc="50" dirty="0">
+                  <a:solidFill>
+                    <a:schemeClr val="bg1"/>
+                  </a:solidFill>
+                  <a:latin typeface="Poppins SemiBold" pitchFamily="2" charset="77"/>
+                  <a:cs typeface="Poppins SemiBold" pitchFamily="2" charset="77"/>
+                </a:rPr>
+                <a:t>PERCEPTION</a:t>
+              </a:r>
+            </a:p>
+          </p:txBody>
+        </p:sp>
+        <p:sp>
+          <p:nvSpPr>
+            <p:cNvPr id="29" name="Rectangle 28">
+              <a:extLst>
+                <a:ext uri="{FF2B5EF4-FFF2-40B4-BE49-F238E27FC236}">
+                  <a16:creationId xmlns:a16="http://schemas.microsoft.com/office/drawing/2014/main" id="{5F1BDC55-A26B-DB41-A20A-32E056E3B3DD}"/>
+                </a:ext>
+              </a:extLst>
+            </p:cNvPr>
+            <p:cNvSpPr/>
+            <p:nvPr/>
+          </p:nvSpPr>
+          <p:spPr>
+            <a:xfrm>
+              <a:off x="1207191" y="1873024"/>
+              <a:ext cx="2160000" cy="144000"/>
+            </a:xfrm>
+            <a:prstGeom prst="rect">
+              <a:avLst/>
+            </a:prstGeom>
+            <a:solidFill>
+              <a:schemeClr val="tx1">
+                <a:lumMod val="50000"/>
+                <a:lumOff val="50000"/>
+                <a:alpha val="77000"/>
+              </a:schemeClr>
+            </a:solidFill>
+            <a:ln>
+              <a:noFill/>
+            </a:ln>
+          </p:spPr>
+          <p:style>
+            <a:lnRef idx="2">
+              <a:schemeClr val="accent1">
+                <a:shade val="50000"/>
+              </a:schemeClr>
+            </a:lnRef>
+            <a:fillRef idx="1">
+              <a:schemeClr val="accent1"/>
+            </a:fillRef>
+            <a:effectRef idx="0">
+              <a:schemeClr val="accent1"/>
+            </a:effectRef>
+            <a:fontRef idx="minor">
+              <a:schemeClr val="lt1"/>
+            </a:fontRef>
+          </p:style>
+          <p:txBody>
+            <a:bodyPr rtlCol="0" anchor="ctr"/>
+            <a:lstStyle/>
+            <a:p>
+              <a:pPr algn="ctr"/>
+              <a:endParaRPr lang="en-GB" dirty="0"/>
+            </a:p>
+          </p:txBody>
+        </p:sp>
+        <p:sp>
+          <p:nvSpPr>
+            <p:cNvPr id="30" name="ZoneTexte 29">
+              <a:extLst>
+                <a:ext uri="{FF2B5EF4-FFF2-40B4-BE49-F238E27FC236}">
+                  <a16:creationId xmlns:a16="http://schemas.microsoft.com/office/drawing/2014/main" id="{9BDFEAEB-7B5D-8748-A12C-519705C97349}"/>
+                </a:ext>
+              </a:extLst>
+            </p:cNvPr>
+            <p:cNvSpPr txBox="1"/>
+            <p:nvPr/>
+          </p:nvSpPr>
+          <p:spPr>
+            <a:xfrm>
+              <a:off x="1120375" y="2084608"/>
+              <a:ext cx="2246816" cy="290849"/>
+            </a:xfrm>
+            <a:prstGeom prst="rect">
+              <a:avLst/>
+            </a:prstGeom>
+            <a:noFill/>
+          </p:spPr>
+          <p:txBody>
+            <a:bodyPr wrap="square" rtlCol="0">
+              <a:spAutoFit/>
+            </a:bodyPr>
+            <a:lstStyle/>
+            <a:p>
+              <a:pPr>
+                <a:lnSpc>
+                  <a:spcPct val="110000"/>
+                </a:lnSpc>
+              </a:pPr>
+              <a:r>
+                <a:rPr lang="en-GB" sz="1200" b="1" spc="80" dirty="0">
+                  <a:solidFill>
+                    <a:schemeClr val="bg1"/>
+                  </a:solidFill>
+                  <a:latin typeface="Poppins SemiBold" pitchFamily="2" charset="77"/>
+                  <a:cs typeface="Poppins SemiBold" pitchFamily="2" charset="77"/>
+                </a:rPr>
+                <a:t>ML, PYTHON – NOV 2020 </a:t>
+              </a:r>
+            </a:p>
+          </p:txBody>
+        </p:sp>
+      </p:grpSp>
+      <p:grpSp>
+        <p:nvGrpSpPr>
+          <p:cNvPr id="11" name="Groupe 10">
+            <a:extLst>
+              <a:ext uri="{FF2B5EF4-FFF2-40B4-BE49-F238E27FC236}">
+                <a16:creationId xmlns:a16="http://schemas.microsoft.com/office/drawing/2014/main" id="{1DC81C80-27F2-BA4E-A73D-44406449A0E6}"/>
+              </a:ext>
+            </a:extLst>
+          </p:cNvPr>
+          <p:cNvGrpSpPr/>
+          <p:nvPr/>
+        </p:nvGrpSpPr>
+        <p:grpSpPr>
+          <a:xfrm>
+            <a:off x="1120374" y="693596"/>
+            <a:ext cx="2471911" cy="1684621"/>
+            <a:chOff x="1120374" y="690836"/>
+            <a:chExt cx="2471911" cy="1684621"/>
+          </a:xfrm>
+        </p:grpSpPr>
+        <p:sp>
+          <p:nvSpPr>
+            <p:cNvPr id="33" name="ZoneTexte 32">
+              <a:extLst>
+                <a:ext uri="{FF2B5EF4-FFF2-40B4-BE49-F238E27FC236}">
+                  <a16:creationId xmlns:a16="http://schemas.microsoft.com/office/drawing/2014/main" id="{8689AD36-D276-0047-82F3-E7303806560C}"/>
+                </a:ext>
+              </a:extLst>
+            </p:cNvPr>
+            <p:cNvSpPr txBox="1"/>
+            <p:nvPr/>
+          </p:nvSpPr>
+          <p:spPr>
+            <a:xfrm>
+              <a:off x="1120374" y="690836"/>
+              <a:ext cx="2471911" cy="1150700"/>
+            </a:xfrm>
+            <a:prstGeom prst="rect">
+              <a:avLst/>
+            </a:prstGeom>
+            <a:noFill/>
+          </p:spPr>
+          <p:txBody>
+            <a:bodyPr wrap="square" rtlCol="0">
+              <a:spAutoFit/>
+            </a:bodyPr>
+            <a:lstStyle/>
+            <a:p>
+              <a:pPr>
+                <a:lnSpc>
+                  <a:spcPct val="110000"/>
+                </a:lnSpc>
+              </a:pPr>
+              <a:r>
+                <a:rPr lang="en-GB" sz="2100" b="1" spc="100" dirty="0">
+                  <a:solidFill>
+                    <a:schemeClr val="bg1"/>
+                  </a:solidFill>
+                  <a:latin typeface="Poppins SemiBold" pitchFamily="2" charset="77"/>
+                  <a:cs typeface="Poppins SemiBold" pitchFamily="2" charset="77"/>
+                </a:rPr>
+                <a:t>CCTV </a:t>
+              </a:r>
+            </a:p>
+            <a:p>
+              <a:pPr>
+                <a:lnSpc>
+                  <a:spcPct val="110000"/>
+                </a:lnSpc>
+              </a:pPr>
+              <a:r>
+                <a:rPr lang="en-GB" sz="2100" b="1" spc="100" dirty="0">
+                  <a:solidFill>
+                    <a:schemeClr val="bg1"/>
+                  </a:solidFill>
+                  <a:latin typeface="Poppins SemiBold" pitchFamily="2" charset="77"/>
+                  <a:cs typeface="Poppins SemiBold" pitchFamily="2" charset="77"/>
+                </a:rPr>
+                <a:t>IMAGE</a:t>
+              </a:r>
+            </a:p>
+            <a:p>
+              <a:pPr>
+                <a:lnSpc>
+                  <a:spcPct val="110000"/>
+                </a:lnSpc>
+              </a:pPr>
+              <a:r>
+                <a:rPr lang="en-GB" sz="2100" b="1" spc="90" dirty="0">
+                  <a:solidFill>
+                    <a:schemeClr val="bg1"/>
+                  </a:solidFill>
+                  <a:latin typeface="Poppins SemiBold" pitchFamily="2" charset="77"/>
+                  <a:cs typeface="Poppins SemiBold" pitchFamily="2" charset="77"/>
+                </a:rPr>
+                <a:t>SEGMENTATION</a:t>
+              </a:r>
+            </a:p>
+          </p:txBody>
+        </p:sp>
+        <p:sp>
+          <p:nvSpPr>
+            <p:cNvPr id="2" name="Rectangle 1">
+              <a:extLst>
+                <a:ext uri="{FF2B5EF4-FFF2-40B4-BE49-F238E27FC236}">
+                  <a16:creationId xmlns:a16="http://schemas.microsoft.com/office/drawing/2014/main" id="{3CC1E9DF-819B-1046-A7AD-BF849ADE92B5}"/>
+                </a:ext>
+              </a:extLst>
+            </p:cNvPr>
+            <p:cNvSpPr/>
+            <p:nvPr/>
+          </p:nvSpPr>
+          <p:spPr>
+            <a:xfrm>
+              <a:off x="1207191" y="1873024"/>
+              <a:ext cx="2160000" cy="144000"/>
+            </a:xfrm>
+            <a:prstGeom prst="rect">
+              <a:avLst/>
+            </a:prstGeom>
+            <a:solidFill>
+              <a:schemeClr val="tx1">
+                <a:lumMod val="50000"/>
+                <a:lumOff val="50000"/>
+                <a:alpha val="77000"/>
+              </a:schemeClr>
+            </a:solidFill>
+            <a:ln>
+              <a:noFill/>
+            </a:ln>
+          </p:spPr>
+          <p:style>
+            <a:lnRef idx="2">
+              <a:schemeClr val="accent1">
+                <a:shade val="50000"/>
+              </a:schemeClr>
+            </a:lnRef>
+            <a:fillRef idx="1">
+              <a:schemeClr val="accent1"/>
+            </a:fillRef>
+            <a:effectRef idx="0">
+              <a:schemeClr val="accent1"/>
+            </a:effectRef>
+            <a:fontRef idx="minor">
+              <a:schemeClr val="lt1"/>
+            </a:fontRef>
+          </p:style>
+          <p:txBody>
+            <a:bodyPr rtlCol="0" anchor="ctr"/>
+            <a:lstStyle/>
+            <a:p>
+              <a:pPr algn="ctr"/>
+              <a:endParaRPr lang="en-GB" dirty="0"/>
+            </a:p>
+          </p:txBody>
+        </p:sp>
+        <p:sp>
+          <p:nvSpPr>
+            <p:cNvPr id="18" name="ZoneTexte 17">
+              <a:extLst>
+                <a:ext uri="{FF2B5EF4-FFF2-40B4-BE49-F238E27FC236}">
+                  <a16:creationId xmlns:a16="http://schemas.microsoft.com/office/drawing/2014/main" id="{4C320C93-1CF0-9049-8DC4-98444789485E}"/>
+                </a:ext>
+              </a:extLst>
+            </p:cNvPr>
+            <p:cNvSpPr txBox="1"/>
+            <p:nvPr/>
+          </p:nvSpPr>
+          <p:spPr>
+            <a:xfrm>
+              <a:off x="1120375" y="2084608"/>
+              <a:ext cx="2133600" cy="290849"/>
+            </a:xfrm>
+            <a:prstGeom prst="rect">
+              <a:avLst/>
+            </a:prstGeom>
+            <a:noFill/>
+          </p:spPr>
+          <p:txBody>
+            <a:bodyPr wrap="square" rtlCol="0">
+              <a:spAutoFit/>
+            </a:bodyPr>
+            <a:lstStyle/>
+            <a:p>
+              <a:pPr>
+                <a:lnSpc>
+                  <a:spcPct val="110000"/>
+                </a:lnSpc>
+              </a:pPr>
+              <a:r>
+                <a:rPr lang="en-GB" sz="1200" b="1" spc="80" dirty="0">
+                  <a:solidFill>
+                    <a:schemeClr val="bg1"/>
+                  </a:solidFill>
+                  <a:latin typeface="Poppins SemiBold" pitchFamily="2" charset="77"/>
+                  <a:cs typeface="Poppins SemiBold" pitchFamily="2" charset="77"/>
+                </a:rPr>
+                <a:t>DL, PYTHON – SEP 2020 </a:t>
+              </a:r>
+            </a:p>
+          </p:txBody>
+        </p:sp>
+      </p:grpSp>
+      <p:grpSp>
+        <p:nvGrpSpPr>
+          <p:cNvPr id="31" name="Groupe 30">
+            <a:extLst>
+              <a:ext uri="{FF2B5EF4-FFF2-40B4-BE49-F238E27FC236}">
+                <a16:creationId xmlns:a16="http://schemas.microsoft.com/office/drawing/2014/main" id="{C9BFBB9E-4E43-1B4D-AA3A-79F9678D7AA5}"/>
+              </a:ext>
+            </a:extLst>
+          </p:cNvPr>
+          <p:cNvGrpSpPr/>
+          <p:nvPr/>
+        </p:nvGrpSpPr>
+        <p:grpSpPr>
+          <a:xfrm>
+            <a:off x="8737993" y="693596"/>
+            <a:ext cx="2333632" cy="1684621"/>
+            <a:chOff x="1120375" y="690836"/>
+            <a:chExt cx="2333632" cy="1684621"/>
+          </a:xfrm>
+        </p:grpSpPr>
+        <p:sp>
+          <p:nvSpPr>
+            <p:cNvPr id="32" name="ZoneTexte 31">
+              <a:extLst>
+                <a:ext uri="{FF2B5EF4-FFF2-40B4-BE49-F238E27FC236}">
+                  <a16:creationId xmlns:a16="http://schemas.microsoft.com/office/drawing/2014/main" id="{C54CF1B5-F06B-C347-8444-DE717EE61C10}"/>
+                </a:ext>
+              </a:extLst>
+            </p:cNvPr>
+            <p:cNvSpPr txBox="1"/>
+            <p:nvPr/>
+          </p:nvSpPr>
+          <p:spPr>
+            <a:xfrm>
+              <a:off x="1120375" y="690836"/>
+              <a:ext cx="2133600" cy="1150700"/>
+            </a:xfrm>
+            <a:prstGeom prst="rect">
+              <a:avLst/>
+            </a:prstGeom>
+            <a:noFill/>
+          </p:spPr>
+          <p:txBody>
+            <a:bodyPr wrap="square" rtlCol="0">
+              <a:spAutoFit/>
+            </a:bodyPr>
+            <a:lstStyle/>
+            <a:p>
+              <a:pPr>
+                <a:lnSpc>
+                  <a:spcPct val="110000"/>
+                </a:lnSpc>
+              </a:pPr>
+              <a:r>
+                <a:rPr lang="en-GB" sz="2100" b="1" spc="100" dirty="0">
+                  <a:solidFill>
+                    <a:schemeClr val="bg1"/>
+                  </a:solidFill>
+                  <a:latin typeface="Poppins SemiBold" pitchFamily="2" charset="77"/>
+                  <a:cs typeface="Poppins SemiBold" pitchFamily="2" charset="77"/>
+                </a:rPr>
+                <a:t>CORRUPTION INDEX ANALYSIS</a:t>
+              </a:r>
+            </a:p>
+          </p:txBody>
+        </p:sp>
+        <p:sp>
+          <p:nvSpPr>
+            <p:cNvPr id="34" name="Rectangle 33">
+              <a:extLst>
+                <a:ext uri="{FF2B5EF4-FFF2-40B4-BE49-F238E27FC236}">
+                  <a16:creationId xmlns:a16="http://schemas.microsoft.com/office/drawing/2014/main" id="{4C0C37C4-07BE-B14A-9DFD-139F89F66FC7}"/>
+                </a:ext>
+              </a:extLst>
+            </p:cNvPr>
+            <p:cNvSpPr/>
+            <p:nvPr/>
+          </p:nvSpPr>
+          <p:spPr>
+            <a:xfrm>
+              <a:off x="1207191" y="1873024"/>
+              <a:ext cx="2160000" cy="144000"/>
+            </a:xfrm>
+            <a:prstGeom prst="rect">
+              <a:avLst/>
+            </a:prstGeom>
+            <a:solidFill>
+              <a:schemeClr val="tx1">
+                <a:lumMod val="50000"/>
+                <a:lumOff val="50000"/>
+                <a:alpha val="77000"/>
+              </a:schemeClr>
+            </a:solidFill>
+            <a:ln>
+              <a:noFill/>
+            </a:ln>
+          </p:spPr>
+          <p:style>
+            <a:lnRef idx="2">
+              <a:schemeClr val="accent1">
+                <a:shade val="50000"/>
+              </a:schemeClr>
+            </a:lnRef>
+            <a:fillRef idx="1">
+              <a:schemeClr val="accent1"/>
+            </a:fillRef>
+            <a:effectRef idx="0">
+              <a:schemeClr val="accent1"/>
+            </a:effectRef>
+            <a:fontRef idx="minor">
+              <a:schemeClr val="lt1"/>
+            </a:fontRef>
+          </p:style>
+          <p:txBody>
+            <a:bodyPr rtlCol="0" anchor="ctr"/>
+            <a:lstStyle/>
+            <a:p>
+              <a:pPr algn="ctr"/>
+              <a:endParaRPr lang="en-GB" dirty="0"/>
+            </a:p>
+          </p:txBody>
+        </p:sp>
+        <p:sp>
+          <p:nvSpPr>
+            <p:cNvPr id="35" name="ZoneTexte 34">
+              <a:extLst>
+                <a:ext uri="{FF2B5EF4-FFF2-40B4-BE49-F238E27FC236}">
+                  <a16:creationId xmlns:a16="http://schemas.microsoft.com/office/drawing/2014/main" id="{8F92EE63-6E56-5643-9ABE-BFFD0AF3E0F3}"/>
+                </a:ext>
+              </a:extLst>
+            </p:cNvPr>
+            <p:cNvSpPr txBox="1"/>
+            <p:nvPr/>
+          </p:nvSpPr>
+          <p:spPr>
+            <a:xfrm>
+              <a:off x="1120375" y="2084608"/>
+              <a:ext cx="2333632" cy="290849"/>
+            </a:xfrm>
+            <a:prstGeom prst="rect">
+              <a:avLst/>
+            </a:prstGeom>
+            <a:noFill/>
+          </p:spPr>
+          <p:txBody>
+            <a:bodyPr wrap="square" rtlCol="0">
+              <a:spAutoFit/>
+            </a:bodyPr>
+            <a:lstStyle/>
+            <a:p>
+              <a:pPr>
+                <a:lnSpc>
+                  <a:spcPct val="110000"/>
+                </a:lnSpc>
+              </a:pPr>
+              <a:r>
+                <a:rPr lang="en-GB" sz="1200" b="1" spc="80" dirty="0">
+                  <a:solidFill>
+                    <a:schemeClr val="bg1"/>
+                  </a:solidFill>
+                  <a:latin typeface="Poppins SemiBold" pitchFamily="2" charset="77"/>
+                  <a:cs typeface="Poppins SemiBold" pitchFamily="2" charset="77"/>
+                </a:rPr>
+                <a:t>ML, PYTHON – DEC 2020 </a:t>
+              </a:r>
+            </a:p>
+          </p:txBody>
+        </p:sp>
+      </p:grpSp>
+      <p:grpSp>
+        <p:nvGrpSpPr>
+          <p:cNvPr id="40" name="Groupe 39">
+            <a:extLst>
+              <a:ext uri="{FF2B5EF4-FFF2-40B4-BE49-F238E27FC236}">
+                <a16:creationId xmlns:a16="http://schemas.microsoft.com/office/drawing/2014/main" id="{52FA74E9-D388-744C-A219-25620676ECED}"/>
+              </a:ext>
+            </a:extLst>
+          </p:cNvPr>
+          <p:cNvGrpSpPr/>
+          <p:nvPr/>
+        </p:nvGrpSpPr>
+        <p:grpSpPr>
+          <a:xfrm>
+            <a:off x="4929728" y="4508358"/>
+            <a:ext cx="2371186" cy="1684621"/>
+            <a:chOff x="1120375" y="690836"/>
+            <a:chExt cx="2371186" cy="1684621"/>
+          </a:xfrm>
+        </p:grpSpPr>
+        <p:sp>
+          <p:nvSpPr>
+            <p:cNvPr id="41" name="ZoneTexte 40">
+              <a:extLst>
+                <a:ext uri="{FF2B5EF4-FFF2-40B4-BE49-F238E27FC236}">
+                  <a16:creationId xmlns:a16="http://schemas.microsoft.com/office/drawing/2014/main" id="{872DE0E1-88E3-5E43-A9FE-8C01EFE8D3F9}"/>
+                </a:ext>
+              </a:extLst>
+            </p:cNvPr>
+            <p:cNvSpPr txBox="1"/>
+            <p:nvPr/>
+          </p:nvSpPr>
+          <p:spPr>
+            <a:xfrm>
+              <a:off x="1120375" y="690836"/>
+              <a:ext cx="2371186" cy="1150700"/>
+            </a:xfrm>
+            <a:prstGeom prst="rect">
+              <a:avLst/>
+            </a:prstGeom>
+            <a:noFill/>
+          </p:spPr>
+          <p:txBody>
+            <a:bodyPr wrap="square" rIns="0" rtlCol="0">
+              <a:spAutoFit/>
+            </a:bodyPr>
+            <a:lstStyle/>
+            <a:p>
+              <a:pPr>
+                <a:lnSpc>
+                  <a:spcPct val="110000"/>
+                </a:lnSpc>
+              </a:pPr>
+              <a:r>
+                <a:rPr lang="en-GB" sz="2100" b="1" spc="100" dirty="0">
+                  <a:solidFill>
+                    <a:schemeClr val="bg1"/>
+                  </a:solidFill>
+                  <a:latin typeface="Poppins SemiBold" pitchFamily="2" charset="77"/>
+                  <a:cs typeface="Poppins SemiBold" pitchFamily="2" charset="77"/>
+                </a:rPr>
+                <a:t>STREET</a:t>
+              </a:r>
+            </a:p>
+            <a:p>
+              <a:pPr>
+                <a:lnSpc>
+                  <a:spcPct val="110000"/>
+                </a:lnSpc>
+              </a:pPr>
+              <a:r>
+                <a:rPr lang="en-GB" sz="2100" b="1" spc="100" dirty="0">
+                  <a:solidFill>
+                    <a:schemeClr val="bg1"/>
+                  </a:solidFill>
+                  <a:latin typeface="Poppins SemiBold" pitchFamily="2" charset="77"/>
+                  <a:cs typeface="Poppins SemiBold" pitchFamily="2" charset="77"/>
+                </a:rPr>
+                <a:t>GENDER</a:t>
+              </a:r>
+            </a:p>
+            <a:p>
+              <a:pPr>
+                <a:lnSpc>
+                  <a:spcPct val="110000"/>
+                </a:lnSpc>
+              </a:pPr>
+              <a:r>
+                <a:rPr lang="en-GB" sz="2100" b="1" spc="70" dirty="0">
+                  <a:solidFill>
+                    <a:schemeClr val="bg1"/>
+                  </a:solidFill>
+                  <a:latin typeface="Poppins SemiBold" pitchFamily="2" charset="77"/>
+                  <a:cs typeface="Poppins SemiBold" pitchFamily="2" charset="77"/>
+                </a:rPr>
+                <a:t>CLASSIFICATION</a:t>
+              </a:r>
+            </a:p>
+          </p:txBody>
+        </p:sp>
+        <p:sp>
+          <p:nvSpPr>
+            <p:cNvPr id="42" name="Rectangle 41">
+              <a:extLst>
+                <a:ext uri="{FF2B5EF4-FFF2-40B4-BE49-F238E27FC236}">
+                  <a16:creationId xmlns:a16="http://schemas.microsoft.com/office/drawing/2014/main" id="{A530AC6C-EADF-6E4E-B284-78980B4E07DC}"/>
+                </a:ext>
+              </a:extLst>
+            </p:cNvPr>
+            <p:cNvSpPr/>
+            <p:nvPr/>
+          </p:nvSpPr>
+          <p:spPr>
+            <a:xfrm>
+              <a:off x="1207191" y="1873024"/>
+              <a:ext cx="2160000" cy="144000"/>
+            </a:xfrm>
+            <a:prstGeom prst="rect">
+              <a:avLst/>
+            </a:prstGeom>
+            <a:solidFill>
+              <a:schemeClr val="tx1">
+                <a:lumMod val="50000"/>
+                <a:lumOff val="50000"/>
+                <a:alpha val="77000"/>
+              </a:schemeClr>
+            </a:solidFill>
+            <a:ln>
+              <a:noFill/>
+            </a:ln>
+          </p:spPr>
+          <p:style>
+            <a:lnRef idx="2">
+              <a:schemeClr val="accent1">
+                <a:shade val="50000"/>
+              </a:schemeClr>
+            </a:lnRef>
+            <a:fillRef idx="1">
+              <a:schemeClr val="accent1"/>
+            </a:fillRef>
+            <a:effectRef idx="0">
+              <a:schemeClr val="accent1"/>
+            </a:effectRef>
+            <a:fontRef idx="minor">
+              <a:schemeClr val="lt1"/>
+            </a:fontRef>
+          </p:style>
+          <p:txBody>
+            <a:bodyPr rtlCol="0" anchor="ctr"/>
+            <a:lstStyle/>
+            <a:p>
+              <a:pPr algn="ctr"/>
+              <a:endParaRPr lang="en-GB" dirty="0"/>
+            </a:p>
+          </p:txBody>
+        </p:sp>
+        <p:sp>
+          <p:nvSpPr>
+            <p:cNvPr id="43" name="ZoneTexte 42">
+              <a:extLst>
+                <a:ext uri="{FF2B5EF4-FFF2-40B4-BE49-F238E27FC236}">
+                  <a16:creationId xmlns:a16="http://schemas.microsoft.com/office/drawing/2014/main" id="{D309CA2F-38CF-4442-98DE-84ED0BC92D55}"/>
+                </a:ext>
+              </a:extLst>
+            </p:cNvPr>
+            <p:cNvSpPr txBox="1"/>
+            <p:nvPr/>
+          </p:nvSpPr>
+          <p:spPr>
+            <a:xfrm>
+              <a:off x="1120375" y="2084608"/>
+              <a:ext cx="2246816" cy="290849"/>
+            </a:xfrm>
+            <a:prstGeom prst="rect">
+              <a:avLst/>
+            </a:prstGeom>
+            <a:noFill/>
+          </p:spPr>
+          <p:txBody>
+            <a:bodyPr wrap="square" rtlCol="0">
+              <a:spAutoFit/>
+            </a:bodyPr>
+            <a:lstStyle/>
+            <a:p>
+              <a:pPr>
+                <a:lnSpc>
+                  <a:spcPct val="110000"/>
+                </a:lnSpc>
+              </a:pPr>
+              <a:r>
+                <a:rPr lang="en-GB" sz="1200" b="1" spc="80" dirty="0">
+                  <a:solidFill>
+                    <a:schemeClr val="bg1"/>
+                  </a:solidFill>
+                  <a:latin typeface="Poppins SemiBold" pitchFamily="2" charset="77"/>
+                  <a:cs typeface="Poppins SemiBold" pitchFamily="2" charset="77"/>
+                </a:rPr>
+                <a:t>DATAVIZ – OCT 2020 </a:t>
+              </a:r>
+            </a:p>
+          </p:txBody>
+        </p:sp>
+      </p:grpSp>
+      <p:grpSp>
+        <p:nvGrpSpPr>
+          <p:cNvPr id="44" name="Groupe 43">
+            <a:extLst>
+              <a:ext uri="{FF2B5EF4-FFF2-40B4-BE49-F238E27FC236}">
+                <a16:creationId xmlns:a16="http://schemas.microsoft.com/office/drawing/2014/main" id="{2520BBC1-81C1-0042-AEC4-B5BC5857E8AD}"/>
+              </a:ext>
+            </a:extLst>
+          </p:cNvPr>
+          <p:cNvGrpSpPr/>
+          <p:nvPr/>
+        </p:nvGrpSpPr>
+        <p:grpSpPr>
+          <a:xfrm>
+            <a:off x="8738536" y="4494071"/>
+            <a:ext cx="2488947" cy="1684621"/>
+            <a:chOff x="1120374" y="690836"/>
+            <a:chExt cx="2488947" cy="1684621"/>
+          </a:xfrm>
+        </p:grpSpPr>
+        <p:sp>
+          <p:nvSpPr>
+            <p:cNvPr id="45" name="ZoneTexte 44">
+              <a:extLst>
+                <a:ext uri="{FF2B5EF4-FFF2-40B4-BE49-F238E27FC236}">
+                  <a16:creationId xmlns:a16="http://schemas.microsoft.com/office/drawing/2014/main" id="{11C24C5E-419E-3342-82F7-D8F8A9B67403}"/>
+                </a:ext>
+              </a:extLst>
+            </p:cNvPr>
+            <p:cNvSpPr txBox="1"/>
+            <p:nvPr/>
+          </p:nvSpPr>
+          <p:spPr>
+            <a:xfrm>
+              <a:off x="1120374" y="690836"/>
+              <a:ext cx="2488947" cy="1150700"/>
+            </a:xfrm>
+            <a:prstGeom prst="rect">
+              <a:avLst/>
+            </a:prstGeom>
+            <a:noFill/>
+          </p:spPr>
+          <p:txBody>
+            <a:bodyPr wrap="square" rtlCol="0">
+              <a:spAutoFit/>
+            </a:bodyPr>
+            <a:lstStyle/>
+            <a:p>
+              <a:pPr>
+                <a:lnSpc>
+                  <a:spcPct val="110000"/>
+                </a:lnSpc>
+              </a:pPr>
+              <a:r>
+                <a:rPr lang="en-GB" sz="2100" b="1" spc="100" dirty="0">
+                  <a:solidFill>
+                    <a:schemeClr val="bg1"/>
+                  </a:solidFill>
+                  <a:latin typeface="Poppins SemiBold" pitchFamily="2" charset="77"/>
+                  <a:cs typeface="Poppins SemiBold" pitchFamily="2" charset="77"/>
+                </a:rPr>
+                <a:t>SATELLITE</a:t>
+              </a:r>
+            </a:p>
+            <a:p>
+              <a:pPr>
+                <a:lnSpc>
+                  <a:spcPct val="110000"/>
+                </a:lnSpc>
+              </a:pPr>
+              <a:r>
+                <a:rPr lang="en-GB" sz="2100" b="1" spc="50" dirty="0">
+                  <a:solidFill>
+                    <a:schemeClr val="bg1"/>
+                  </a:solidFill>
+                  <a:latin typeface="Poppins SemiBold" pitchFamily="2" charset="77"/>
+                  <a:cs typeface="Poppins SemiBold" pitchFamily="2" charset="77"/>
+                </a:rPr>
+                <a:t>IMAGE ANALYSIS </a:t>
+              </a:r>
+              <a:r>
+                <a:rPr lang="en-GB" sz="2100" b="1" spc="100" dirty="0">
+                  <a:solidFill>
+                    <a:schemeClr val="bg1"/>
+                  </a:solidFill>
+                  <a:latin typeface="Poppins SemiBold" pitchFamily="2" charset="77"/>
+                  <a:cs typeface="Poppins SemiBold" pitchFamily="2" charset="77"/>
+                </a:rPr>
+                <a:t>PACKAGE</a:t>
+              </a:r>
+            </a:p>
+          </p:txBody>
+        </p:sp>
+        <p:sp>
+          <p:nvSpPr>
+            <p:cNvPr id="46" name="Rectangle 45">
+              <a:extLst>
+                <a:ext uri="{FF2B5EF4-FFF2-40B4-BE49-F238E27FC236}">
+                  <a16:creationId xmlns:a16="http://schemas.microsoft.com/office/drawing/2014/main" id="{C11A4688-3077-AD4A-A80A-FF7B0D330E19}"/>
+                </a:ext>
+              </a:extLst>
+            </p:cNvPr>
+            <p:cNvSpPr/>
+            <p:nvPr/>
+          </p:nvSpPr>
+          <p:spPr>
+            <a:xfrm>
+              <a:off x="1207191" y="1873024"/>
+              <a:ext cx="2160000" cy="144000"/>
+            </a:xfrm>
+            <a:prstGeom prst="rect">
+              <a:avLst/>
+            </a:prstGeom>
+            <a:solidFill>
+              <a:schemeClr val="tx1">
+                <a:lumMod val="50000"/>
+                <a:lumOff val="50000"/>
+                <a:alpha val="77000"/>
+              </a:schemeClr>
+            </a:solidFill>
+            <a:ln>
+              <a:noFill/>
+            </a:ln>
+          </p:spPr>
+          <p:style>
+            <a:lnRef idx="2">
+              <a:schemeClr val="accent1">
+                <a:shade val="50000"/>
+              </a:schemeClr>
+            </a:lnRef>
+            <a:fillRef idx="1">
+              <a:schemeClr val="accent1"/>
+            </a:fillRef>
+            <a:effectRef idx="0">
+              <a:schemeClr val="accent1"/>
+            </a:effectRef>
+            <a:fontRef idx="minor">
+              <a:schemeClr val="lt1"/>
+            </a:fontRef>
+          </p:style>
+          <p:txBody>
+            <a:bodyPr rtlCol="0" anchor="ctr"/>
+            <a:lstStyle/>
+            <a:p>
+              <a:pPr algn="ctr"/>
+              <a:endParaRPr lang="en-GB" dirty="0"/>
+            </a:p>
+          </p:txBody>
+        </p:sp>
+        <p:sp>
+          <p:nvSpPr>
+            <p:cNvPr id="47" name="ZoneTexte 46">
+              <a:extLst>
+                <a:ext uri="{FF2B5EF4-FFF2-40B4-BE49-F238E27FC236}">
+                  <a16:creationId xmlns:a16="http://schemas.microsoft.com/office/drawing/2014/main" id="{7984F11B-08EC-6843-9DF6-8AA8F26D373E}"/>
+                </a:ext>
+              </a:extLst>
+            </p:cNvPr>
+            <p:cNvSpPr txBox="1"/>
+            <p:nvPr/>
+          </p:nvSpPr>
+          <p:spPr>
+            <a:xfrm>
+              <a:off x="1120375" y="2084608"/>
+              <a:ext cx="2133600" cy="290849"/>
+            </a:xfrm>
+            <a:prstGeom prst="rect">
+              <a:avLst/>
+            </a:prstGeom>
+            <a:noFill/>
+          </p:spPr>
+          <p:txBody>
+            <a:bodyPr wrap="square" rtlCol="0">
+              <a:spAutoFit/>
+            </a:bodyPr>
+            <a:lstStyle/>
+            <a:p>
+              <a:pPr>
+                <a:lnSpc>
+                  <a:spcPct val="110000"/>
+                </a:lnSpc>
+              </a:pPr>
+              <a:r>
+                <a:rPr lang="en-GB" sz="1200" b="1" spc="80" dirty="0">
+                  <a:solidFill>
+                    <a:schemeClr val="bg1"/>
+                  </a:solidFill>
+                  <a:latin typeface="Poppins SemiBold" pitchFamily="2" charset="77"/>
+                  <a:cs typeface="Poppins SemiBold" pitchFamily="2" charset="77"/>
+                </a:rPr>
+                <a:t>DATAVIZ – FEB 2020 </a:t>
+              </a:r>
+            </a:p>
+          </p:txBody>
+        </p:sp>
+      </p:grpSp>
+      <p:grpSp>
+        <p:nvGrpSpPr>
+          <p:cNvPr id="48" name="Groupe 47">
+            <a:extLst>
+              <a:ext uri="{FF2B5EF4-FFF2-40B4-BE49-F238E27FC236}">
+                <a16:creationId xmlns:a16="http://schemas.microsoft.com/office/drawing/2014/main" id="{826EF78D-0984-4340-B05E-A908F5B6666F}"/>
+              </a:ext>
+            </a:extLst>
+          </p:cNvPr>
+          <p:cNvGrpSpPr/>
+          <p:nvPr/>
+        </p:nvGrpSpPr>
+        <p:grpSpPr>
+          <a:xfrm>
+            <a:off x="1122755" y="4508358"/>
+            <a:ext cx="2363396" cy="1684621"/>
+            <a:chOff x="1120375" y="690836"/>
+            <a:chExt cx="2363396" cy="1684621"/>
+          </a:xfrm>
+        </p:grpSpPr>
+        <p:sp>
+          <p:nvSpPr>
+            <p:cNvPr id="49" name="ZoneTexte 48">
+              <a:extLst>
+                <a:ext uri="{FF2B5EF4-FFF2-40B4-BE49-F238E27FC236}">
+                  <a16:creationId xmlns:a16="http://schemas.microsoft.com/office/drawing/2014/main" id="{4D696C1E-E07B-854D-9E7C-ED1ABDE038FE}"/>
+                </a:ext>
+              </a:extLst>
+            </p:cNvPr>
+            <p:cNvSpPr txBox="1"/>
+            <p:nvPr/>
+          </p:nvSpPr>
+          <p:spPr>
+            <a:xfrm>
+              <a:off x="1120375" y="690836"/>
+              <a:ext cx="2363396" cy="1150700"/>
+            </a:xfrm>
+            <a:prstGeom prst="rect">
+              <a:avLst/>
+            </a:prstGeom>
+            <a:noFill/>
+          </p:spPr>
+          <p:txBody>
+            <a:bodyPr wrap="square" rIns="0" rtlCol="0">
+              <a:spAutoFit/>
+            </a:bodyPr>
+            <a:lstStyle/>
+            <a:p>
+              <a:pPr>
+                <a:lnSpc>
+                  <a:spcPct val="110000"/>
+                </a:lnSpc>
+              </a:pPr>
+              <a:r>
+                <a:rPr lang="en-GB" sz="2100" b="1" spc="100" dirty="0">
+                  <a:solidFill>
+                    <a:schemeClr val="bg1"/>
+                  </a:solidFill>
+                  <a:latin typeface="Poppins SemiBold" pitchFamily="2" charset="77"/>
+                  <a:cs typeface="Poppins SemiBold" pitchFamily="2" charset="77"/>
+                </a:rPr>
+                <a:t>FRENCH DEEPMOJI TRANSFORMER</a:t>
+              </a:r>
+            </a:p>
+          </p:txBody>
+        </p:sp>
+        <p:sp>
+          <p:nvSpPr>
+            <p:cNvPr id="50" name="Rectangle 49">
+              <a:extLst>
+                <a:ext uri="{FF2B5EF4-FFF2-40B4-BE49-F238E27FC236}">
+                  <a16:creationId xmlns:a16="http://schemas.microsoft.com/office/drawing/2014/main" id="{9AFA02AF-E3E2-AE4D-8F64-223F298E8D20}"/>
+                </a:ext>
+              </a:extLst>
+            </p:cNvPr>
+            <p:cNvSpPr/>
+            <p:nvPr/>
+          </p:nvSpPr>
+          <p:spPr>
+            <a:xfrm>
+              <a:off x="1207191" y="1873024"/>
+              <a:ext cx="2160000" cy="144000"/>
+            </a:xfrm>
+            <a:prstGeom prst="rect">
+              <a:avLst/>
+            </a:prstGeom>
+            <a:solidFill>
+              <a:schemeClr val="tx1">
+                <a:lumMod val="50000"/>
+                <a:lumOff val="50000"/>
+                <a:alpha val="77000"/>
+              </a:schemeClr>
+            </a:solidFill>
+            <a:ln>
+              <a:noFill/>
+            </a:ln>
+          </p:spPr>
+          <p:style>
+            <a:lnRef idx="2">
+              <a:schemeClr val="accent1">
+                <a:shade val="50000"/>
+              </a:schemeClr>
+            </a:lnRef>
+            <a:fillRef idx="1">
+              <a:schemeClr val="accent1"/>
+            </a:fillRef>
+            <a:effectRef idx="0">
+              <a:schemeClr val="accent1"/>
+            </a:effectRef>
+            <a:fontRef idx="minor">
+              <a:schemeClr val="lt1"/>
+            </a:fontRef>
+          </p:style>
+          <p:txBody>
+            <a:bodyPr rtlCol="0" anchor="ctr"/>
+            <a:lstStyle/>
+            <a:p>
+              <a:pPr algn="ctr"/>
+              <a:endParaRPr lang="en-GB" dirty="0"/>
+            </a:p>
+          </p:txBody>
+        </p:sp>
+        <p:sp>
+          <p:nvSpPr>
+            <p:cNvPr id="51" name="ZoneTexte 50">
+              <a:extLst>
+                <a:ext uri="{FF2B5EF4-FFF2-40B4-BE49-F238E27FC236}">
+                  <a16:creationId xmlns:a16="http://schemas.microsoft.com/office/drawing/2014/main" id="{8E28CB85-8924-0E47-93FD-193288907C57}"/>
+                </a:ext>
+              </a:extLst>
+            </p:cNvPr>
+            <p:cNvSpPr txBox="1"/>
+            <p:nvPr/>
+          </p:nvSpPr>
+          <p:spPr>
+            <a:xfrm>
+              <a:off x="1120375" y="2084608"/>
+              <a:ext cx="2133600" cy="290849"/>
+            </a:xfrm>
+            <a:prstGeom prst="rect">
+              <a:avLst/>
+            </a:prstGeom>
+            <a:noFill/>
+          </p:spPr>
+          <p:txBody>
+            <a:bodyPr wrap="square" rtlCol="0">
+              <a:spAutoFit/>
+            </a:bodyPr>
+            <a:lstStyle/>
+            <a:p>
+              <a:pPr>
+                <a:lnSpc>
+                  <a:spcPct val="110000"/>
+                </a:lnSpc>
+              </a:pPr>
+              <a:r>
+                <a:rPr lang="en-GB" sz="1200" b="1" spc="80" dirty="0">
+                  <a:solidFill>
+                    <a:schemeClr val="bg1"/>
+                  </a:solidFill>
+                  <a:latin typeface="Poppins SemiBold" pitchFamily="2" charset="77"/>
+                  <a:cs typeface="Poppins SemiBold" pitchFamily="2" charset="77"/>
+                </a:rPr>
+                <a:t>DL, PYTHON – JAN 2021 </a:t>
+              </a:r>
+            </a:p>
+          </p:txBody>
+        </p:sp>
+      </p:grpSp>
+    </p:spTree>
+    <p:extLst>
+      <p:ext uri="{BB962C8B-B14F-4D97-AF65-F5344CB8AC3E}">
+        <p14:creationId xmlns:p14="http://schemas.microsoft.com/office/powerpoint/2010/main" val="1620270763"/>
+      </p:ext>
+    </p:extLst>
+  </p:cSld>
+  <p:clrMapOvr>
+    <a:masterClrMapping/>
+  </p:clrMapOvr>
+</p:sld>
+</file>
+
+<file path=ppt/slides/slide4.xml><?xml version="1.0" encoding="utf-8"?>
+<p:sld xmlns:a="http://schemas.openxmlformats.org/drawingml/2006/main" xmlns:r="http://schemas.openxmlformats.org/officeDocument/2006/relationships" xmlns:p="http://schemas.openxmlformats.org/presentationml/2006/main">
+  <p:cSld>
+    <p:spTree>
+      <p:nvGrpSpPr>
+        <p:cNvPr id="1" name=""/>
+        <p:cNvGrpSpPr/>
+        <p:nvPr/>
+      </p:nvGrpSpPr>
+      <p:grpSpPr>
+        <a:xfrm>
+          <a:off x="0" y="0"/>
+          <a:ext cx="0" cy="0"/>
+          <a:chOff x="0" y="0"/>
+          <a:chExt cx="0" cy="0"/>
+        </a:xfrm>
+      </p:grpSpPr>
+      <p:pic>
+        <p:nvPicPr>
+          <p:cNvPr id="4" name="Image 3">
+            <a:extLst>
+              <a:ext uri="{FF2B5EF4-FFF2-40B4-BE49-F238E27FC236}">
+                <a16:creationId xmlns:a16="http://schemas.microsoft.com/office/drawing/2014/main" id="{03F1FE27-C3A3-F341-AFE9-4D8E8BBA86E6}"/>
+              </a:ext>
+            </a:extLst>
+          </p:cNvPr>
+          <p:cNvPicPr>
+            <a:picLocks noChangeAspect="1"/>
+          </p:cNvPicPr>
+          <p:nvPr/>
+        </p:nvPicPr>
+        <p:blipFill rotWithShape="1">
+          <a:blip r:embed="rId2">
+            <a:duotone>
+              <a:prstClr val="black"/>
+              <a:srgbClr val="F6963A">
+                <a:tint val="45000"/>
+                <a:satMod val="400000"/>
+              </a:srgbClr>
+            </a:duotone>
+          </a:blip>
+          <a:srcRect l="9683" t="17391" r="52263" b="16460"/>
+          <a:stretch/>
+        </p:blipFill>
+        <p:spPr>
+          <a:xfrm rot="10800000">
+            <a:off x="765573" y="0"/>
+            <a:ext cx="3043236" cy="3043238"/>
+          </a:xfrm>
+          <a:prstGeom prst="rect">
+            <a:avLst/>
+          </a:prstGeom>
+        </p:spPr>
+      </p:pic>
+      <p:pic>
+        <p:nvPicPr>
+          <p:cNvPr id="5" name="Image 4">
+            <a:extLst>
+              <a:ext uri="{FF2B5EF4-FFF2-40B4-BE49-F238E27FC236}">
+                <a16:creationId xmlns:a16="http://schemas.microsoft.com/office/drawing/2014/main" id="{E82B7705-5CA8-2D40-9BFF-A2D8899D5B5C}"/>
+              </a:ext>
+            </a:extLst>
+          </p:cNvPr>
+          <p:cNvPicPr>
+            <a:picLocks noChangeAspect="1"/>
+          </p:cNvPicPr>
+          <p:nvPr/>
+        </p:nvPicPr>
+        <p:blipFill rotWithShape="1">
+          <a:blip r:embed="rId2">
+            <a:duotone>
+              <a:prstClr val="black"/>
+              <a:srgbClr val="F6963A">
+                <a:tint val="45000"/>
+                <a:satMod val="400000"/>
+              </a:srgbClr>
+            </a:duotone>
+          </a:blip>
+          <a:srcRect l="42818" t="16460" r="19128" b="17391"/>
+          <a:stretch/>
+        </p:blipFill>
+        <p:spPr>
+          <a:xfrm rot="10800000">
+            <a:off x="765573" y="3814762"/>
+            <a:ext cx="3043236" cy="3043238"/>
+          </a:xfrm>
+          <a:prstGeom prst="rect">
+            <a:avLst/>
+          </a:prstGeom>
+        </p:spPr>
+      </p:pic>
+      <p:pic>
+        <p:nvPicPr>
+          <p:cNvPr id="11" name="Image 10">
+            <a:extLst>
+              <a:ext uri="{FF2B5EF4-FFF2-40B4-BE49-F238E27FC236}">
+                <a16:creationId xmlns:a16="http://schemas.microsoft.com/office/drawing/2014/main" id="{D1A37026-1FDD-8444-8323-5EB9B67CE0AD}"/>
+              </a:ext>
+            </a:extLst>
+          </p:cNvPr>
+          <p:cNvPicPr>
+            <a:picLocks noChangeAspect="1"/>
+          </p:cNvPicPr>
+          <p:nvPr/>
+        </p:nvPicPr>
+        <p:blipFill rotWithShape="1">
+          <a:blip r:embed="rId2">
+            <a:duotone>
+              <a:prstClr val="black"/>
+              <a:srgbClr val="F6963A">
+                <a:tint val="45000"/>
+                <a:satMod val="400000"/>
+              </a:srgbClr>
+            </a:duotone>
+          </a:blip>
+          <a:srcRect l="9683" t="17391" r="52263" b="16460"/>
+          <a:stretch/>
+        </p:blipFill>
+        <p:spPr>
+          <a:xfrm flipH="1">
+            <a:off x="4574381" y="1"/>
+            <a:ext cx="3043237" cy="3043238"/>
+          </a:xfrm>
+          <a:prstGeom prst="rect">
+            <a:avLst/>
+          </a:prstGeom>
+        </p:spPr>
+      </p:pic>
+      <p:pic>
+        <p:nvPicPr>
+          <p:cNvPr id="12" name="Image 11">
+            <a:extLst>
+              <a:ext uri="{FF2B5EF4-FFF2-40B4-BE49-F238E27FC236}">
+                <a16:creationId xmlns:a16="http://schemas.microsoft.com/office/drawing/2014/main" id="{1FA2552D-A8FA-4D43-AD4B-A91A0D8CA7FF}"/>
+              </a:ext>
+            </a:extLst>
+          </p:cNvPr>
+          <p:cNvPicPr>
+            <a:picLocks noChangeAspect="1"/>
+          </p:cNvPicPr>
+          <p:nvPr/>
+        </p:nvPicPr>
+        <p:blipFill rotWithShape="1">
+          <a:blip r:embed="rId2">
+            <a:duotone>
+              <a:prstClr val="black"/>
+              <a:srgbClr val="F6963A">
+                <a:tint val="45000"/>
+                <a:satMod val="400000"/>
+              </a:srgbClr>
+            </a:duotone>
+          </a:blip>
+          <a:srcRect l="42818" t="16460" r="19128" b="17391"/>
+          <a:stretch/>
+        </p:blipFill>
+        <p:spPr>
+          <a:xfrm rot="10800000" flipH="1">
+            <a:off x="4574382" y="3814761"/>
+            <a:ext cx="3043236" cy="3043238"/>
+          </a:xfrm>
+          <a:prstGeom prst="rect">
+            <a:avLst/>
+          </a:prstGeom>
+        </p:spPr>
+      </p:pic>
+      <p:pic>
+        <p:nvPicPr>
+          <p:cNvPr id="13" name="Image 12">
+            <a:extLst>
+              <a:ext uri="{FF2B5EF4-FFF2-40B4-BE49-F238E27FC236}">
+                <a16:creationId xmlns:a16="http://schemas.microsoft.com/office/drawing/2014/main" id="{A6906288-6F47-A64F-80D4-EE25A669708D}"/>
+              </a:ext>
+            </a:extLst>
+          </p:cNvPr>
+          <p:cNvPicPr>
+            <a:picLocks noChangeAspect="1"/>
+          </p:cNvPicPr>
+          <p:nvPr/>
+        </p:nvPicPr>
+        <p:blipFill rotWithShape="1">
+          <a:blip r:embed="rId2">
+            <a:duotone>
+              <a:prstClr val="black"/>
+              <a:srgbClr val="F6963A">
+                <a:tint val="45000"/>
+                <a:satMod val="400000"/>
+              </a:srgbClr>
+            </a:duotone>
+          </a:blip>
+          <a:srcRect l="29250" t="33851" r="32696"/>
+          <a:stretch/>
+        </p:blipFill>
+        <p:spPr>
+          <a:xfrm rot="10800000" flipH="1">
+            <a:off x="8383191" y="3814761"/>
+            <a:ext cx="3043236" cy="3043238"/>
+          </a:xfrm>
+          <a:prstGeom prst="rect">
+            <a:avLst/>
+          </a:prstGeom>
+        </p:spPr>
+      </p:pic>
+      <p:pic>
+        <p:nvPicPr>
+          <p:cNvPr id="14" name="Image 13">
+            <a:extLst>
+              <a:ext uri="{FF2B5EF4-FFF2-40B4-BE49-F238E27FC236}">
+                <a16:creationId xmlns:a16="http://schemas.microsoft.com/office/drawing/2014/main" id="{7FC9BAE4-0472-8C47-A420-E4F46DB9C594}"/>
+              </a:ext>
+            </a:extLst>
+          </p:cNvPr>
+          <p:cNvPicPr>
+            <a:picLocks noChangeAspect="1"/>
+          </p:cNvPicPr>
+          <p:nvPr/>
+        </p:nvPicPr>
+        <p:blipFill rotWithShape="1">
+          <a:blip r:embed="rId2">
+            <a:duotone>
+              <a:prstClr val="black"/>
+              <a:srgbClr val="F6963A">
+                <a:tint val="45000"/>
+                <a:satMod val="400000"/>
+              </a:srgbClr>
+            </a:duotone>
+          </a:blip>
+          <a:srcRect l="28893" t="-466" r="33053" b="34317"/>
+          <a:stretch/>
+        </p:blipFill>
+        <p:spPr>
+          <a:xfrm rot="10800000" flipH="1">
+            <a:off x="8383190" y="0"/>
+            <a:ext cx="3043237" cy="3043238"/>
+          </a:xfrm>
+          <a:prstGeom prst="rect">
+            <a:avLst/>
+          </a:prstGeom>
+        </p:spPr>
+      </p:pic>
+      <p:sp>
+        <p:nvSpPr>
+          <p:cNvPr id="41" name="Rectangle 40">
+            <a:extLst>
+              <a:ext uri="{FF2B5EF4-FFF2-40B4-BE49-F238E27FC236}">
+                <a16:creationId xmlns:a16="http://schemas.microsoft.com/office/drawing/2014/main" id="{EC8D07A1-7CD7-8140-82DC-468E4F8B6408}"/>
+              </a:ext>
+            </a:extLst>
+          </p:cNvPr>
+          <p:cNvSpPr/>
+          <p:nvPr/>
+        </p:nvSpPr>
+        <p:spPr>
+          <a:xfrm>
+            <a:off x="772117" y="0"/>
+            <a:ext cx="3043236" cy="3043238"/>
+          </a:xfrm>
+          <a:prstGeom prst="rect">
+            <a:avLst/>
+          </a:prstGeom>
+          <a:solidFill>
+            <a:schemeClr val="tx1">
+              <a:lumMod val="75000"/>
+              <a:lumOff val="25000"/>
+              <a:alpha val="49000"/>
+            </a:schemeClr>
+          </a:solidFill>
+          <a:ln>
+            <a:noFill/>
+          </a:ln>
+        </p:spPr>
+        <p:style>
+          <a:lnRef idx="2">
+            <a:schemeClr val="accent1">
+              <a:shade val="50000"/>
+            </a:schemeClr>
+          </a:lnRef>
+          <a:fillRef idx="1">
+            <a:schemeClr val="accent1"/>
+          </a:fillRef>
+          <a:effectRef idx="0">
+            <a:schemeClr val="accent1"/>
+          </a:effectRef>
+          <a:fontRef idx="minor">
+            <a:schemeClr val="lt1"/>
+          </a:fontRef>
+        </p:style>
+        <p:txBody>
+          <a:bodyPr rtlCol="0" anchor="ctr"/>
+          <a:lstStyle/>
+          <a:p>
+            <a:pPr algn="ctr"/>
+            <a:endParaRPr lang="en-GB"/>
+          </a:p>
+        </p:txBody>
+      </p:sp>
+      <p:sp>
+        <p:nvSpPr>
+          <p:cNvPr id="43" name="Rectangle 42">
+            <a:extLst>
+              <a:ext uri="{FF2B5EF4-FFF2-40B4-BE49-F238E27FC236}">
+                <a16:creationId xmlns:a16="http://schemas.microsoft.com/office/drawing/2014/main" id="{2E2345D9-9D59-3446-B28F-61C72FFFA84B}"/>
+              </a:ext>
+            </a:extLst>
+          </p:cNvPr>
+          <p:cNvSpPr/>
+          <p:nvPr/>
+        </p:nvSpPr>
+        <p:spPr>
+          <a:xfrm>
+            <a:off x="772117" y="3814762"/>
+            <a:ext cx="3043236" cy="3043238"/>
+          </a:xfrm>
+          <a:prstGeom prst="rect">
+            <a:avLst/>
+          </a:prstGeom>
+          <a:solidFill>
+            <a:schemeClr val="tx1">
+              <a:lumMod val="75000"/>
+              <a:lumOff val="25000"/>
+              <a:alpha val="49000"/>
+            </a:schemeClr>
+          </a:solidFill>
+          <a:ln>
+            <a:noFill/>
+          </a:ln>
+        </p:spPr>
+        <p:style>
+          <a:lnRef idx="2">
+            <a:schemeClr val="accent1">
+              <a:shade val="50000"/>
+            </a:schemeClr>
+          </a:lnRef>
+          <a:fillRef idx="1">
+            <a:schemeClr val="accent1"/>
+          </a:fillRef>
+          <a:effectRef idx="0">
+            <a:schemeClr val="accent1"/>
+          </a:effectRef>
+          <a:fontRef idx="minor">
+            <a:schemeClr val="lt1"/>
+          </a:fontRef>
+        </p:style>
+        <p:txBody>
+          <a:bodyPr rtlCol="0" anchor="ctr"/>
+          <a:lstStyle/>
+          <a:p>
+            <a:pPr algn="ctr"/>
+            <a:endParaRPr lang="en-GB"/>
+          </a:p>
+        </p:txBody>
+      </p:sp>
+      <p:grpSp>
+        <p:nvGrpSpPr>
+          <p:cNvPr id="15" name="Groupe 14">
+            <a:extLst>
+              <a:ext uri="{FF2B5EF4-FFF2-40B4-BE49-F238E27FC236}">
+                <a16:creationId xmlns:a16="http://schemas.microsoft.com/office/drawing/2014/main" id="{C7533D67-DF3D-114F-AEF9-C6ABA5F94D96}"/>
+              </a:ext>
+            </a:extLst>
+          </p:cNvPr>
+          <p:cNvGrpSpPr/>
+          <p:nvPr/>
+        </p:nvGrpSpPr>
+        <p:grpSpPr>
+          <a:xfrm>
+            <a:off x="4929728" y="693596"/>
+            <a:ext cx="2385472" cy="1684621"/>
+            <a:chOff x="1120375" y="690836"/>
+            <a:chExt cx="2385472" cy="1684621"/>
+          </a:xfrm>
+        </p:grpSpPr>
+        <p:sp>
+          <p:nvSpPr>
+            <p:cNvPr id="16" name="ZoneTexte 15">
+              <a:extLst>
+                <a:ext uri="{FF2B5EF4-FFF2-40B4-BE49-F238E27FC236}">
+                  <a16:creationId xmlns:a16="http://schemas.microsoft.com/office/drawing/2014/main" id="{1C96F3AE-E61C-7D40-8431-1C11FC23B951}"/>
+                </a:ext>
+              </a:extLst>
+            </p:cNvPr>
+            <p:cNvSpPr txBox="1"/>
+            <p:nvPr/>
+          </p:nvSpPr>
+          <p:spPr>
+            <a:xfrm>
+              <a:off x="1120376" y="690836"/>
+              <a:ext cx="2385471" cy="439672"/>
+            </a:xfrm>
+            <a:prstGeom prst="rect">
+              <a:avLst/>
+            </a:prstGeom>
+            <a:noFill/>
+          </p:spPr>
+          <p:txBody>
+            <a:bodyPr wrap="square" rIns="0" rtlCol="0">
+              <a:spAutoFit/>
+            </a:bodyPr>
+            <a:lstStyle/>
+            <a:p>
+              <a:pPr>
+                <a:lnSpc>
+                  <a:spcPct val="110000"/>
+                </a:lnSpc>
+              </a:pPr>
+              <a:r>
+                <a:rPr lang="en-GB" sz="2100" b="1" spc="100" dirty="0">
+                  <a:solidFill>
+                    <a:schemeClr val="bg1"/>
+                  </a:solidFill>
+                  <a:latin typeface="Poppins SemiBold" pitchFamily="2" charset="77"/>
+                  <a:cs typeface="Poppins SemiBold" pitchFamily="2" charset="77"/>
+                </a:rPr>
+                <a:t>xx</a:t>
+              </a:r>
+            </a:p>
+          </p:txBody>
+        </p:sp>
+        <p:sp>
+          <p:nvSpPr>
+            <p:cNvPr id="17" name="Rectangle 16">
+              <a:extLst>
+                <a:ext uri="{FF2B5EF4-FFF2-40B4-BE49-F238E27FC236}">
+                  <a16:creationId xmlns:a16="http://schemas.microsoft.com/office/drawing/2014/main" id="{E7C2ED3A-4952-D44E-B7BF-3D06412F2FFC}"/>
+                </a:ext>
+              </a:extLst>
+            </p:cNvPr>
+            <p:cNvSpPr/>
+            <p:nvPr/>
+          </p:nvSpPr>
+          <p:spPr>
+            <a:xfrm>
+              <a:off x="1207191" y="1873024"/>
+              <a:ext cx="2160000" cy="144000"/>
+            </a:xfrm>
+            <a:prstGeom prst="rect">
+              <a:avLst/>
+            </a:prstGeom>
+            <a:solidFill>
+              <a:schemeClr val="tx1">
+                <a:lumMod val="50000"/>
+                <a:lumOff val="50000"/>
+                <a:alpha val="77000"/>
+              </a:schemeClr>
+            </a:solidFill>
+            <a:ln>
+              <a:noFill/>
+            </a:ln>
+          </p:spPr>
+          <p:style>
+            <a:lnRef idx="2">
+              <a:schemeClr val="accent1">
+                <a:shade val="50000"/>
+              </a:schemeClr>
+            </a:lnRef>
+            <a:fillRef idx="1">
+              <a:schemeClr val="accent1"/>
+            </a:fillRef>
+            <a:effectRef idx="0">
+              <a:schemeClr val="accent1"/>
+            </a:effectRef>
+            <a:fontRef idx="minor">
+              <a:schemeClr val="lt1"/>
+            </a:fontRef>
+          </p:style>
+          <p:txBody>
+            <a:bodyPr rtlCol="0" anchor="ctr"/>
+            <a:lstStyle/>
+            <a:p>
+              <a:pPr algn="ctr"/>
+              <a:endParaRPr lang="en-GB" dirty="0"/>
+            </a:p>
+          </p:txBody>
+        </p:sp>
+        <p:sp>
+          <p:nvSpPr>
+            <p:cNvPr id="18" name="ZoneTexte 17">
+              <a:extLst>
+                <a:ext uri="{FF2B5EF4-FFF2-40B4-BE49-F238E27FC236}">
+                  <a16:creationId xmlns:a16="http://schemas.microsoft.com/office/drawing/2014/main" id="{5AF49002-A0D2-B64F-805A-FE7DA8AD6D19}"/>
+                </a:ext>
+              </a:extLst>
+            </p:cNvPr>
+            <p:cNvSpPr txBox="1"/>
+            <p:nvPr/>
+          </p:nvSpPr>
+          <p:spPr>
+            <a:xfrm>
+              <a:off x="1120375" y="2084608"/>
+              <a:ext cx="2246816" cy="290849"/>
+            </a:xfrm>
+            <a:prstGeom prst="rect">
+              <a:avLst/>
+            </a:prstGeom>
+            <a:noFill/>
+          </p:spPr>
+          <p:txBody>
+            <a:bodyPr wrap="square" rtlCol="0">
+              <a:spAutoFit/>
+            </a:bodyPr>
+            <a:lstStyle/>
+            <a:p>
+              <a:pPr>
+                <a:lnSpc>
+                  <a:spcPct val="110000"/>
+                </a:lnSpc>
+              </a:pPr>
+              <a:r>
+                <a:rPr lang="en-GB" sz="1200" b="1" spc="80" dirty="0">
+                  <a:solidFill>
+                    <a:schemeClr val="bg1"/>
+                  </a:solidFill>
+                  <a:latin typeface="Poppins SemiBold" pitchFamily="2" charset="77"/>
+                  <a:cs typeface="Poppins SemiBold" pitchFamily="2" charset="77"/>
+                </a:rPr>
+                <a:t>x – xx</a:t>
+              </a:r>
+            </a:p>
+          </p:txBody>
+        </p:sp>
+      </p:grpSp>
+      <p:grpSp>
+        <p:nvGrpSpPr>
+          <p:cNvPr id="19" name="Groupe 18">
+            <a:extLst>
+              <a:ext uri="{FF2B5EF4-FFF2-40B4-BE49-F238E27FC236}">
+                <a16:creationId xmlns:a16="http://schemas.microsoft.com/office/drawing/2014/main" id="{C15B811D-4F9E-134E-95B2-6E5FC8D54B21}"/>
+              </a:ext>
+            </a:extLst>
+          </p:cNvPr>
+          <p:cNvGrpSpPr/>
+          <p:nvPr/>
+        </p:nvGrpSpPr>
+        <p:grpSpPr>
+          <a:xfrm>
+            <a:off x="1120374" y="693596"/>
+            <a:ext cx="2365775" cy="1684621"/>
+            <a:chOff x="1120374" y="690836"/>
+            <a:chExt cx="2365775" cy="1684621"/>
+          </a:xfrm>
+        </p:grpSpPr>
+        <p:sp>
+          <p:nvSpPr>
+            <p:cNvPr id="20" name="ZoneTexte 19">
+              <a:extLst>
+                <a:ext uri="{FF2B5EF4-FFF2-40B4-BE49-F238E27FC236}">
+                  <a16:creationId xmlns:a16="http://schemas.microsoft.com/office/drawing/2014/main" id="{D73D58BA-5C01-8746-A643-D36A4EFEC825}"/>
+                </a:ext>
+              </a:extLst>
+            </p:cNvPr>
+            <p:cNvSpPr txBox="1"/>
+            <p:nvPr/>
+          </p:nvSpPr>
+          <p:spPr>
+            <a:xfrm>
+              <a:off x="1120374" y="690836"/>
+              <a:ext cx="2365775" cy="1150700"/>
+            </a:xfrm>
+            <a:prstGeom prst="rect">
+              <a:avLst/>
+            </a:prstGeom>
+            <a:noFill/>
+          </p:spPr>
+          <p:txBody>
+            <a:bodyPr wrap="square" rtlCol="0">
+              <a:spAutoFit/>
+            </a:bodyPr>
+            <a:lstStyle/>
+            <a:p>
+              <a:pPr>
+                <a:lnSpc>
+                  <a:spcPct val="110000"/>
+                </a:lnSpc>
+              </a:pPr>
+              <a:r>
+                <a:rPr lang="en-GB" sz="2100" b="1" spc="100" dirty="0">
+                  <a:solidFill>
+                    <a:schemeClr val="bg1"/>
+                  </a:solidFill>
+                  <a:latin typeface="Poppins SemiBold" pitchFamily="2" charset="77"/>
+                  <a:cs typeface="Poppins SemiBold" pitchFamily="2" charset="77"/>
+                </a:rPr>
+                <a:t>FRENCH</a:t>
+              </a:r>
+            </a:p>
+            <a:p>
+              <a:pPr>
+                <a:lnSpc>
+                  <a:spcPct val="110000"/>
+                </a:lnSpc>
+              </a:pPr>
+              <a:r>
+                <a:rPr lang="en-GB" sz="2100" b="1" spc="100" dirty="0">
+                  <a:solidFill>
+                    <a:schemeClr val="bg1"/>
+                  </a:solidFill>
+                  <a:latin typeface="Poppins SemiBold" pitchFamily="2" charset="77"/>
+                  <a:cs typeface="Poppins SemiBold" pitchFamily="2" charset="77"/>
+                </a:rPr>
+                <a:t>GRAMMAR</a:t>
+              </a:r>
+            </a:p>
+            <a:p>
+              <a:pPr>
+                <a:lnSpc>
+                  <a:spcPct val="110000"/>
+                </a:lnSpc>
+              </a:pPr>
+              <a:r>
+                <a:rPr lang="en-GB" sz="2100" b="1" spc="100" dirty="0">
+                  <a:solidFill>
+                    <a:schemeClr val="bg1"/>
+                  </a:solidFill>
+                  <a:latin typeface="Poppins SemiBold" pitchFamily="2" charset="77"/>
+                  <a:cs typeface="Poppins SemiBold" pitchFamily="2" charset="77"/>
+                </a:rPr>
+                <a:t>CHECKER</a:t>
+              </a:r>
+            </a:p>
+          </p:txBody>
+        </p:sp>
+        <p:sp>
+          <p:nvSpPr>
+            <p:cNvPr id="27" name="Rectangle 26">
+              <a:extLst>
+                <a:ext uri="{FF2B5EF4-FFF2-40B4-BE49-F238E27FC236}">
+                  <a16:creationId xmlns:a16="http://schemas.microsoft.com/office/drawing/2014/main" id="{E82E822E-C177-794B-B518-D10B5C5D4BCA}"/>
+                </a:ext>
+              </a:extLst>
+            </p:cNvPr>
+            <p:cNvSpPr/>
+            <p:nvPr/>
+          </p:nvSpPr>
+          <p:spPr>
+            <a:xfrm>
+              <a:off x="1207191" y="1873024"/>
+              <a:ext cx="2160000" cy="144000"/>
+            </a:xfrm>
+            <a:prstGeom prst="rect">
+              <a:avLst/>
+            </a:prstGeom>
+            <a:solidFill>
+              <a:schemeClr val="tx1">
+                <a:lumMod val="50000"/>
+                <a:lumOff val="50000"/>
+                <a:alpha val="77000"/>
+              </a:schemeClr>
+            </a:solidFill>
+            <a:ln>
+              <a:noFill/>
+            </a:ln>
+          </p:spPr>
+          <p:style>
+            <a:lnRef idx="2">
+              <a:schemeClr val="accent1">
+                <a:shade val="50000"/>
+              </a:schemeClr>
+            </a:lnRef>
+            <a:fillRef idx="1">
+              <a:schemeClr val="accent1"/>
+            </a:fillRef>
+            <a:effectRef idx="0">
+              <a:schemeClr val="accent1"/>
+            </a:effectRef>
+            <a:fontRef idx="minor">
+              <a:schemeClr val="lt1"/>
+            </a:fontRef>
+          </p:style>
+          <p:txBody>
+            <a:bodyPr rtlCol="0" anchor="ctr"/>
+            <a:lstStyle/>
+            <a:p>
+              <a:pPr algn="ctr"/>
+              <a:endParaRPr lang="en-GB" dirty="0"/>
+            </a:p>
+          </p:txBody>
+        </p:sp>
+        <p:sp>
+          <p:nvSpPr>
+            <p:cNvPr id="28" name="ZoneTexte 27">
+              <a:extLst>
+                <a:ext uri="{FF2B5EF4-FFF2-40B4-BE49-F238E27FC236}">
+                  <a16:creationId xmlns:a16="http://schemas.microsoft.com/office/drawing/2014/main" id="{997042CB-463D-0849-A293-431249DEB655}"/>
+                </a:ext>
+              </a:extLst>
+            </p:cNvPr>
+            <p:cNvSpPr txBox="1"/>
+            <p:nvPr/>
+          </p:nvSpPr>
+          <p:spPr>
+            <a:xfrm>
+              <a:off x="1120375" y="2084608"/>
+              <a:ext cx="2246816" cy="290849"/>
+            </a:xfrm>
+            <a:prstGeom prst="rect">
+              <a:avLst/>
+            </a:prstGeom>
+            <a:noFill/>
+          </p:spPr>
+          <p:txBody>
+            <a:bodyPr wrap="square" rtlCol="0">
+              <a:spAutoFit/>
+            </a:bodyPr>
+            <a:lstStyle/>
+            <a:p>
+              <a:pPr>
+                <a:lnSpc>
+                  <a:spcPct val="110000"/>
+                </a:lnSpc>
+              </a:pPr>
+              <a:r>
+                <a:rPr lang="en-GB" sz="1200" b="1" spc="80" dirty="0">
+                  <a:solidFill>
+                    <a:schemeClr val="bg1"/>
+                  </a:solidFill>
+                  <a:latin typeface="Poppins SemiBold" pitchFamily="2" charset="77"/>
+                  <a:cs typeface="Poppins SemiBold" pitchFamily="2" charset="77"/>
+                </a:rPr>
+                <a:t>ML, PYTHON – OCT 2020</a:t>
+              </a:r>
+            </a:p>
+          </p:txBody>
+        </p:sp>
+      </p:grpSp>
+      <p:grpSp>
+        <p:nvGrpSpPr>
+          <p:cNvPr id="29" name="Groupe 28">
+            <a:extLst>
+              <a:ext uri="{FF2B5EF4-FFF2-40B4-BE49-F238E27FC236}">
+                <a16:creationId xmlns:a16="http://schemas.microsoft.com/office/drawing/2014/main" id="{7F826F7F-5A3C-4443-ACCF-4C2F32F355DB}"/>
+              </a:ext>
+            </a:extLst>
+          </p:cNvPr>
+          <p:cNvGrpSpPr/>
+          <p:nvPr/>
+        </p:nvGrpSpPr>
+        <p:grpSpPr>
+          <a:xfrm>
+            <a:off x="8737993" y="693596"/>
+            <a:ext cx="2246816" cy="1684621"/>
+            <a:chOff x="1120375" y="690836"/>
+            <a:chExt cx="2246816" cy="1684621"/>
+          </a:xfrm>
+        </p:grpSpPr>
+        <p:sp>
+          <p:nvSpPr>
+            <p:cNvPr id="30" name="ZoneTexte 29">
+              <a:extLst>
+                <a:ext uri="{FF2B5EF4-FFF2-40B4-BE49-F238E27FC236}">
+                  <a16:creationId xmlns:a16="http://schemas.microsoft.com/office/drawing/2014/main" id="{AB05D8B3-1E9A-D94D-9C74-B0E41C9CFC2B}"/>
+                </a:ext>
+              </a:extLst>
+            </p:cNvPr>
+            <p:cNvSpPr txBox="1"/>
+            <p:nvPr/>
+          </p:nvSpPr>
+          <p:spPr>
+            <a:xfrm>
+              <a:off x="1120375" y="690836"/>
+              <a:ext cx="2133600" cy="439736"/>
+            </a:xfrm>
+            <a:prstGeom prst="rect">
+              <a:avLst/>
+            </a:prstGeom>
+            <a:noFill/>
+          </p:spPr>
+          <p:txBody>
+            <a:bodyPr wrap="square" rtlCol="0">
+              <a:spAutoFit/>
+            </a:bodyPr>
+            <a:lstStyle/>
+            <a:p>
+              <a:pPr>
+                <a:lnSpc>
+                  <a:spcPct val="110000"/>
+                </a:lnSpc>
+              </a:pPr>
+              <a:r>
+                <a:rPr lang="en-GB" sz="2100" b="1" spc="100" dirty="0">
+                  <a:solidFill>
+                    <a:schemeClr val="bg1"/>
+                  </a:solidFill>
+                  <a:latin typeface="Poppins SemiBold" pitchFamily="2" charset="77"/>
+                  <a:cs typeface="Poppins SemiBold" pitchFamily="2" charset="77"/>
+                </a:rPr>
+                <a:t>xx</a:t>
+              </a:r>
+            </a:p>
+          </p:txBody>
+        </p:sp>
+        <p:sp>
+          <p:nvSpPr>
+            <p:cNvPr id="31" name="Rectangle 30">
+              <a:extLst>
+                <a:ext uri="{FF2B5EF4-FFF2-40B4-BE49-F238E27FC236}">
+                  <a16:creationId xmlns:a16="http://schemas.microsoft.com/office/drawing/2014/main" id="{261E0A02-EB51-1845-B36E-BD546A02485E}"/>
+                </a:ext>
+              </a:extLst>
+            </p:cNvPr>
+            <p:cNvSpPr/>
+            <p:nvPr/>
+          </p:nvSpPr>
+          <p:spPr>
+            <a:xfrm>
+              <a:off x="1207191" y="1873024"/>
+              <a:ext cx="2160000" cy="144000"/>
+            </a:xfrm>
+            <a:prstGeom prst="rect">
+              <a:avLst/>
+            </a:prstGeom>
+            <a:solidFill>
+              <a:schemeClr val="tx1">
+                <a:lumMod val="50000"/>
+                <a:lumOff val="50000"/>
+                <a:alpha val="77000"/>
+              </a:schemeClr>
+            </a:solidFill>
+            <a:ln>
+              <a:noFill/>
+            </a:ln>
+          </p:spPr>
+          <p:style>
+            <a:lnRef idx="2">
+              <a:schemeClr val="accent1">
+                <a:shade val="50000"/>
+              </a:schemeClr>
+            </a:lnRef>
+            <a:fillRef idx="1">
+              <a:schemeClr val="accent1"/>
+            </a:fillRef>
+            <a:effectRef idx="0">
+              <a:schemeClr val="accent1"/>
+            </a:effectRef>
+            <a:fontRef idx="minor">
+              <a:schemeClr val="lt1"/>
+            </a:fontRef>
+          </p:style>
+          <p:txBody>
+            <a:bodyPr rtlCol="0" anchor="ctr"/>
+            <a:lstStyle/>
+            <a:p>
+              <a:pPr algn="ctr"/>
+              <a:endParaRPr lang="en-GB" dirty="0"/>
+            </a:p>
+          </p:txBody>
+        </p:sp>
+        <p:sp>
+          <p:nvSpPr>
+            <p:cNvPr id="32" name="ZoneTexte 31">
+              <a:extLst>
+                <a:ext uri="{FF2B5EF4-FFF2-40B4-BE49-F238E27FC236}">
+                  <a16:creationId xmlns:a16="http://schemas.microsoft.com/office/drawing/2014/main" id="{C1EFD5DD-AE72-534D-9625-28EBDE7D5BC7}"/>
+                </a:ext>
+              </a:extLst>
+            </p:cNvPr>
+            <p:cNvSpPr txBox="1"/>
+            <p:nvPr/>
+          </p:nvSpPr>
+          <p:spPr>
+            <a:xfrm>
+              <a:off x="1120375" y="2084608"/>
+              <a:ext cx="2133600" cy="290849"/>
+            </a:xfrm>
+            <a:prstGeom prst="rect">
+              <a:avLst/>
+            </a:prstGeom>
+            <a:noFill/>
+          </p:spPr>
+          <p:txBody>
+            <a:bodyPr wrap="square" rtlCol="0">
+              <a:spAutoFit/>
+            </a:bodyPr>
+            <a:lstStyle/>
+            <a:p>
+              <a:pPr>
+                <a:lnSpc>
+                  <a:spcPct val="110000"/>
+                </a:lnSpc>
+              </a:pPr>
+              <a:r>
+                <a:rPr lang="en-GB" sz="1200" b="1" spc="80" dirty="0">
+                  <a:solidFill>
+                    <a:schemeClr val="bg1"/>
+                  </a:solidFill>
+                  <a:latin typeface="Poppins SemiBold" pitchFamily="2" charset="77"/>
+                  <a:cs typeface="Poppins SemiBold" pitchFamily="2" charset="77"/>
+                </a:rPr>
+                <a:t>x – xx</a:t>
+              </a:r>
+            </a:p>
+          </p:txBody>
+        </p:sp>
+      </p:grpSp>
+      <p:grpSp>
+        <p:nvGrpSpPr>
+          <p:cNvPr id="37" name="Groupe 36">
+            <a:extLst>
+              <a:ext uri="{FF2B5EF4-FFF2-40B4-BE49-F238E27FC236}">
+                <a16:creationId xmlns:a16="http://schemas.microsoft.com/office/drawing/2014/main" id="{09052330-CC97-1344-91A3-779B8CA91789}"/>
+              </a:ext>
+            </a:extLst>
+          </p:cNvPr>
+          <p:cNvGrpSpPr/>
+          <p:nvPr/>
+        </p:nvGrpSpPr>
+        <p:grpSpPr>
+          <a:xfrm>
+            <a:off x="4929728" y="4508358"/>
+            <a:ext cx="2246816" cy="1684621"/>
+            <a:chOff x="1120375" y="690836"/>
+            <a:chExt cx="2246816" cy="1684621"/>
+          </a:xfrm>
+        </p:grpSpPr>
+        <p:sp>
+          <p:nvSpPr>
+            <p:cNvPr id="38" name="ZoneTexte 37">
+              <a:extLst>
+                <a:ext uri="{FF2B5EF4-FFF2-40B4-BE49-F238E27FC236}">
+                  <a16:creationId xmlns:a16="http://schemas.microsoft.com/office/drawing/2014/main" id="{DD69C548-1415-2240-A279-374416014DA4}"/>
+                </a:ext>
+              </a:extLst>
+            </p:cNvPr>
+            <p:cNvSpPr txBox="1"/>
+            <p:nvPr/>
+          </p:nvSpPr>
+          <p:spPr>
+            <a:xfrm>
+              <a:off x="1120375" y="690836"/>
+              <a:ext cx="2133600" cy="439736"/>
+            </a:xfrm>
+            <a:prstGeom prst="rect">
+              <a:avLst/>
+            </a:prstGeom>
+            <a:noFill/>
+          </p:spPr>
+          <p:txBody>
+            <a:bodyPr wrap="square" rtlCol="0">
+              <a:spAutoFit/>
+            </a:bodyPr>
+            <a:lstStyle/>
+            <a:p>
+              <a:pPr>
+                <a:lnSpc>
+                  <a:spcPct val="110000"/>
+                </a:lnSpc>
+              </a:pPr>
+              <a:r>
+                <a:rPr lang="en-GB" sz="2100" b="1" spc="100" dirty="0">
+                  <a:solidFill>
+                    <a:schemeClr val="bg1"/>
+                  </a:solidFill>
+                  <a:latin typeface="Poppins SemiBold" pitchFamily="2" charset="77"/>
+                  <a:cs typeface="Poppins SemiBold" pitchFamily="2" charset="77"/>
+                </a:rPr>
+                <a:t>xx</a:t>
+              </a:r>
+            </a:p>
+          </p:txBody>
+        </p:sp>
+        <p:sp>
+          <p:nvSpPr>
+            <p:cNvPr id="39" name="Rectangle 38">
+              <a:extLst>
+                <a:ext uri="{FF2B5EF4-FFF2-40B4-BE49-F238E27FC236}">
+                  <a16:creationId xmlns:a16="http://schemas.microsoft.com/office/drawing/2014/main" id="{FFBB380D-02AC-F74E-A1B5-CA1CD9AF9CE8}"/>
+                </a:ext>
+              </a:extLst>
+            </p:cNvPr>
+            <p:cNvSpPr/>
+            <p:nvPr/>
+          </p:nvSpPr>
+          <p:spPr>
+            <a:xfrm>
+              <a:off x="1207191" y="1873024"/>
+              <a:ext cx="2160000" cy="144000"/>
+            </a:xfrm>
+            <a:prstGeom prst="rect">
+              <a:avLst/>
+            </a:prstGeom>
+            <a:solidFill>
+              <a:schemeClr val="tx1">
+                <a:lumMod val="50000"/>
+                <a:lumOff val="50000"/>
+                <a:alpha val="77000"/>
+              </a:schemeClr>
+            </a:solidFill>
+            <a:ln>
+              <a:noFill/>
+            </a:ln>
+          </p:spPr>
+          <p:style>
+            <a:lnRef idx="2">
+              <a:schemeClr val="accent1">
+                <a:shade val="50000"/>
+              </a:schemeClr>
+            </a:lnRef>
+            <a:fillRef idx="1">
+              <a:schemeClr val="accent1"/>
+            </a:fillRef>
+            <a:effectRef idx="0">
+              <a:schemeClr val="accent1"/>
+            </a:effectRef>
+            <a:fontRef idx="minor">
+              <a:schemeClr val="lt1"/>
+            </a:fontRef>
+          </p:style>
+          <p:txBody>
+            <a:bodyPr rtlCol="0" anchor="ctr"/>
+            <a:lstStyle/>
+            <a:p>
+              <a:pPr algn="ctr"/>
+              <a:endParaRPr lang="en-GB" dirty="0"/>
+            </a:p>
+          </p:txBody>
+        </p:sp>
+        <p:sp>
+          <p:nvSpPr>
+            <p:cNvPr id="40" name="ZoneTexte 39">
+              <a:extLst>
+                <a:ext uri="{FF2B5EF4-FFF2-40B4-BE49-F238E27FC236}">
+                  <a16:creationId xmlns:a16="http://schemas.microsoft.com/office/drawing/2014/main" id="{43076ACA-0EB4-DF48-A2BC-5BF890961AE9}"/>
+                </a:ext>
+              </a:extLst>
+            </p:cNvPr>
+            <p:cNvSpPr txBox="1"/>
+            <p:nvPr/>
+          </p:nvSpPr>
+          <p:spPr>
+            <a:xfrm>
+              <a:off x="1120375" y="2084608"/>
+              <a:ext cx="2133600" cy="290849"/>
+            </a:xfrm>
+            <a:prstGeom prst="rect">
+              <a:avLst/>
+            </a:prstGeom>
+            <a:noFill/>
+          </p:spPr>
+          <p:txBody>
+            <a:bodyPr wrap="square" rtlCol="0">
+              <a:spAutoFit/>
+            </a:bodyPr>
+            <a:lstStyle/>
+            <a:p>
+              <a:pPr>
+                <a:lnSpc>
+                  <a:spcPct val="110000"/>
+                </a:lnSpc>
+              </a:pPr>
+              <a:r>
+                <a:rPr lang="en-GB" sz="1200" b="1" spc="80" dirty="0">
+                  <a:solidFill>
+                    <a:schemeClr val="bg1"/>
+                  </a:solidFill>
+                  <a:latin typeface="Poppins SemiBold" pitchFamily="2" charset="77"/>
+                  <a:cs typeface="Poppins SemiBold" pitchFamily="2" charset="77"/>
+                </a:rPr>
+                <a:t>x – xx</a:t>
+              </a:r>
+            </a:p>
+          </p:txBody>
+        </p:sp>
+      </p:grpSp>
+      <p:grpSp>
+        <p:nvGrpSpPr>
+          <p:cNvPr id="45" name="Groupe 44">
+            <a:extLst>
+              <a:ext uri="{FF2B5EF4-FFF2-40B4-BE49-F238E27FC236}">
+                <a16:creationId xmlns:a16="http://schemas.microsoft.com/office/drawing/2014/main" id="{030EC767-815A-814F-8E50-15ACDB3B005A}"/>
+              </a:ext>
+            </a:extLst>
+          </p:cNvPr>
+          <p:cNvGrpSpPr/>
+          <p:nvPr/>
+        </p:nvGrpSpPr>
+        <p:grpSpPr>
+          <a:xfrm>
+            <a:off x="1122754" y="4508358"/>
+            <a:ext cx="2458645" cy="1684621"/>
+            <a:chOff x="1120374" y="690836"/>
+            <a:chExt cx="2458645" cy="1684621"/>
+          </a:xfrm>
+        </p:grpSpPr>
+        <p:sp>
+          <p:nvSpPr>
+            <p:cNvPr id="46" name="ZoneTexte 45">
+              <a:extLst>
+                <a:ext uri="{FF2B5EF4-FFF2-40B4-BE49-F238E27FC236}">
+                  <a16:creationId xmlns:a16="http://schemas.microsoft.com/office/drawing/2014/main" id="{2E521E58-FE80-7141-BD1F-E0DD215405E7}"/>
+                </a:ext>
+              </a:extLst>
+            </p:cNvPr>
+            <p:cNvSpPr txBox="1"/>
+            <p:nvPr/>
+          </p:nvSpPr>
+          <p:spPr>
+            <a:xfrm>
+              <a:off x="1120374" y="690836"/>
+              <a:ext cx="2458645" cy="1150700"/>
+            </a:xfrm>
+            <a:prstGeom prst="rect">
+              <a:avLst/>
+            </a:prstGeom>
+            <a:noFill/>
+          </p:spPr>
+          <p:txBody>
+            <a:bodyPr wrap="square" rIns="0" rtlCol="0">
+              <a:spAutoFit/>
+            </a:bodyPr>
+            <a:lstStyle/>
+            <a:p>
+              <a:pPr>
+                <a:lnSpc>
+                  <a:spcPct val="110000"/>
+                </a:lnSpc>
+              </a:pPr>
+              <a:r>
+                <a:rPr lang="en-GB" sz="2100" b="1" spc="80" dirty="0">
+                  <a:solidFill>
+                    <a:schemeClr val="bg1"/>
+                  </a:solidFill>
+                  <a:latin typeface="Poppins SemiBold" pitchFamily="2" charset="77"/>
+                  <a:cs typeface="Poppins SemiBold" pitchFamily="2" charset="77"/>
+                </a:rPr>
+                <a:t>REINFORCEMENT</a:t>
+              </a:r>
+              <a:r>
+                <a:rPr lang="en-GB" sz="2100" b="1" spc="100" dirty="0">
+                  <a:solidFill>
+                    <a:schemeClr val="bg1"/>
+                  </a:solidFill>
+                  <a:latin typeface="Poppins SemiBold" pitchFamily="2" charset="77"/>
+                  <a:cs typeface="Poppins SemiBold" pitchFamily="2" charset="77"/>
+                </a:rPr>
+                <a:t> LEARNING</a:t>
+              </a:r>
+              <a:r>
+                <a:rPr lang="en-GB" sz="2100" b="1" spc="50" dirty="0">
+                  <a:solidFill>
+                    <a:schemeClr val="bg1"/>
+                  </a:solidFill>
+                  <a:latin typeface="Poppins SemiBold" pitchFamily="2" charset="77"/>
+                  <a:cs typeface="Poppins SemiBold" pitchFamily="2" charset="77"/>
+                </a:rPr>
+                <a:t> HACKATHON</a:t>
+              </a:r>
+              <a:endParaRPr lang="en-GB" sz="2100" b="1" spc="100" dirty="0">
+                <a:solidFill>
+                  <a:schemeClr val="bg1"/>
+                </a:solidFill>
+                <a:latin typeface="Poppins SemiBold" pitchFamily="2" charset="77"/>
+                <a:cs typeface="Poppins SemiBold" pitchFamily="2" charset="77"/>
+              </a:endParaRPr>
+            </a:p>
+          </p:txBody>
+        </p:sp>
+        <p:sp>
+          <p:nvSpPr>
+            <p:cNvPr id="47" name="Rectangle 46">
+              <a:extLst>
+                <a:ext uri="{FF2B5EF4-FFF2-40B4-BE49-F238E27FC236}">
+                  <a16:creationId xmlns:a16="http://schemas.microsoft.com/office/drawing/2014/main" id="{57EB03C8-0BC0-6245-97BF-904433C8F547}"/>
+                </a:ext>
+              </a:extLst>
+            </p:cNvPr>
+            <p:cNvSpPr/>
+            <p:nvPr/>
+          </p:nvSpPr>
+          <p:spPr>
+            <a:xfrm>
+              <a:off x="1207191" y="1873024"/>
+              <a:ext cx="2160000" cy="144000"/>
+            </a:xfrm>
+            <a:prstGeom prst="rect">
+              <a:avLst/>
+            </a:prstGeom>
+            <a:solidFill>
+              <a:schemeClr val="tx1">
+                <a:lumMod val="50000"/>
+                <a:lumOff val="50000"/>
+                <a:alpha val="77000"/>
+              </a:schemeClr>
+            </a:solidFill>
+            <a:ln>
+              <a:noFill/>
+            </a:ln>
+          </p:spPr>
+          <p:style>
+            <a:lnRef idx="2">
+              <a:schemeClr val="accent1">
+                <a:shade val="50000"/>
+              </a:schemeClr>
+            </a:lnRef>
+            <a:fillRef idx="1">
+              <a:schemeClr val="accent1"/>
+            </a:fillRef>
+            <a:effectRef idx="0">
+              <a:schemeClr val="accent1"/>
+            </a:effectRef>
+            <a:fontRef idx="minor">
+              <a:schemeClr val="lt1"/>
+            </a:fontRef>
+          </p:style>
+          <p:txBody>
+            <a:bodyPr rtlCol="0" anchor="ctr"/>
+            <a:lstStyle/>
+            <a:p>
+              <a:pPr algn="ctr"/>
+              <a:endParaRPr lang="en-GB" dirty="0"/>
+            </a:p>
+          </p:txBody>
+        </p:sp>
+        <p:sp>
+          <p:nvSpPr>
+            <p:cNvPr id="48" name="ZoneTexte 47">
+              <a:extLst>
+                <a:ext uri="{FF2B5EF4-FFF2-40B4-BE49-F238E27FC236}">
+                  <a16:creationId xmlns:a16="http://schemas.microsoft.com/office/drawing/2014/main" id="{35C28C26-1C4A-5443-BADC-30EF4734177D}"/>
+                </a:ext>
+              </a:extLst>
+            </p:cNvPr>
+            <p:cNvSpPr txBox="1"/>
+            <p:nvPr/>
+          </p:nvSpPr>
+          <p:spPr>
+            <a:xfrm>
+              <a:off x="1120375" y="2084608"/>
+              <a:ext cx="2160000" cy="290849"/>
+            </a:xfrm>
+            <a:prstGeom prst="rect">
+              <a:avLst/>
+            </a:prstGeom>
+            <a:noFill/>
+          </p:spPr>
+          <p:txBody>
+            <a:bodyPr wrap="square" rtlCol="0">
+              <a:spAutoFit/>
+            </a:bodyPr>
+            <a:lstStyle/>
+            <a:p>
+              <a:pPr>
+                <a:lnSpc>
+                  <a:spcPct val="110000"/>
+                </a:lnSpc>
+              </a:pPr>
+              <a:r>
+                <a:rPr lang="en-GB" sz="1200" b="1" spc="80" dirty="0">
+                  <a:solidFill>
+                    <a:schemeClr val="bg1"/>
+                  </a:solidFill>
+                  <a:latin typeface="Poppins SemiBold" pitchFamily="2" charset="77"/>
+                  <a:cs typeface="Poppins SemiBold" pitchFamily="2" charset="77"/>
+                </a:rPr>
+                <a:t>RL, PYTHON – DEC 2020</a:t>
+              </a:r>
+            </a:p>
+          </p:txBody>
+        </p:sp>
+      </p:grpSp>
+      <p:grpSp>
+        <p:nvGrpSpPr>
+          <p:cNvPr id="49" name="Groupe 48">
+            <a:extLst>
+              <a:ext uri="{FF2B5EF4-FFF2-40B4-BE49-F238E27FC236}">
+                <a16:creationId xmlns:a16="http://schemas.microsoft.com/office/drawing/2014/main" id="{8507B65B-BB37-CC49-BC06-6B68D2BC2C87}"/>
+              </a:ext>
+            </a:extLst>
+          </p:cNvPr>
+          <p:cNvGrpSpPr/>
+          <p:nvPr/>
+        </p:nvGrpSpPr>
+        <p:grpSpPr>
+          <a:xfrm>
+            <a:off x="8738536" y="4494071"/>
+            <a:ext cx="2330709" cy="1684621"/>
+            <a:chOff x="1120374" y="690836"/>
+            <a:chExt cx="2330709" cy="1684621"/>
+          </a:xfrm>
+        </p:grpSpPr>
+        <p:sp>
+          <p:nvSpPr>
+            <p:cNvPr id="50" name="ZoneTexte 49">
+              <a:extLst>
+                <a:ext uri="{FF2B5EF4-FFF2-40B4-BE49-F238E27FC236}">
+                  <a16:creationId xmlns:a16="http://schemas.microsoft.com/office/drawing/2014/main" id="{7F933084-DEB1-E147-955C-3C4425FEE3E3}"/>
+                </a:ext>
+              </a:extLst>
+            </p:cNvPr>
+            <p:cNvSpPr txBox="1"/>
+            <p:nvPr/>
+          </p:nvSpPr>
+          <p:spPr>
+            <a:xfrm>
+              <a:off x="1120374" y="690836"/>
+              <a:ext cx="2330709" cy="439736"/>
+            </a:xfrm>
+            <a:prstGeom prst="rect">
+              <a:avLst/>
+            </a:prstGeom>
+            <a:noFill/>
+          </p:spPr>
+          <p:txBody>
+            <a:bodyPr wrap="square" rtlCol="0">
+              <a:spAutoFit/>
+            </a:bodyPr>
+            <a:lstStyle/>
+            <a:p>
+              <a:pPr>
+                <a:lnSpc>
+                  <a:spcPct val="110000"/>
+                </a:lnSpc>
+              </a:pPr>
+              <a:r>
+                <a:rPr lang="en-GB" sz="2100" b="1" spc="100" dirty="0">
+                  <a:solidFill>
+                    <a:schemeClr val="bg1"/>
+                  </a:solidFill>
+                  <a:latin typeface="Poppins SemiBold" pitchFamily="2" charset="77"/>
+                  <a:cs typeface="Poppins SemiBold" pitchFamily="2" charset="77"/>
+                </a:rPr>
+                <a:t>xx</a:t>
+              </a:r>
+            </a:p>
+          </p:txBody>
+        </p:sp>
+        <p:sp>
+          <p:nvSpPr>
+            <p:cNvPr id="51" name="Rectangle 50">
+              <a:extLst>
+                <a:ext uri="{FF2B5EF4-FFF2-40B4-BE49-F238E27FC236}">
+                  <a16:creationId xmlns:a16="http://schemas.microsoft.com/office/drawing/2014/main" id="{E5EB4F39-B2F7-4741-A8C2-C32F03DD0A1B}"/>
+                </a:ext>
+              </a:extLst>
+            </p:cNvPr>
+            <p:cNvSpPr/>
+            <p:nvPr/>
+          </p:nvSpPr>
+          <p:spPr>
+            <a:xfrm>
+              <a:off x="1207191" y="1873024"/>
+              <a:ext cx="2160000" cy="144000"/>
+            </a:xfrm>
+            <a:prstGeom prst="rect">
+              <a:avLst/>
+            </a:prstGeom>
+            <a:solidFill>
+              <a:schemeClr val="tx1">
+                <a:lumMod val="50000"/>
+                <a:lumOff val="50000"/>
+                <a:alpha val="77000"/>
+              </a:schemeClr>
+            </a:solidFill>
+            <a:ln>
+              <a:noFill/>
+            </a:ln>
+          </p:spPr>
+          <p:style>
+            <a:lnRef idx="2">
+              <a:schemeClr val="accent1">
+                <a:shade val="50000"/>
+              </a:schemeClr>
+            </a:lnRef>
+            <a:fillRef idx="1">
+              <a:schemeClr val="accent1"/>
+            </a:fillRef>
+            <a:effectRef idx="0">
+              <a:schemeClr val="accent1"/>
+            </a:effectRef>
+            <a:fontRef idx="minor">
+              <a:schemeClr val="lt1"/>
+            </a:fontRef>
+          </p:style>
+          <p:txBody>
+            <a:bodyPr rtlCol="0" anchor="ctr"/>
+            <a:lstStyle/>
+            <a:p>
+              <a:pPr algn="ctr"/>
+              <a:endParaRPr lang="en-GB" dirty="0"/>
+            </a:p>
+          </p:txBody>
+        </p:sp>
+        <p:sp>
+          <p:nvSpPr>
+            <p:cNvPr id="52" name="ZoneTexte 51">
+              <a:extLst>
+                <a:ext uri="{FF2B5EF4-FFF2-40B4-BE49-F238E27FC236}">
+                  <a16:creationId xmlns:a16="http://schemas.microsoft.com/office/drawing/2014/main" id="{72728BE0-DFF7-414B-9AD7-A4AA3137EBFF}"/>
+                </a:ext>
+              </a:extLst>
+            </p:cNvPr>
+            <p:cNvSpPr txBox="1"/>
+            <p:nvPr/>
+          </p:nvSpPr>
+          <p:spPr>
+            <a:xfrm>
+              <a:off x="1120375" y="2084608"/>
+              <a:ext cx="2133600" cy="290849"/>
+            </a:xfrm>
+            <a:prstGeom prst="rect">
+              <a:avLst/>
+            </a:prstGeom>
+            <a:noFill/>
+          </p:spPr>
+          <p:txBody>
+            <a:bodyPr wrap="square" rtlCol="0">
+              <a:spAutoFit/>
+            </a:bodyPr>
+            <a:lstStyle/>
+            <a:p>
+              <a:pPr>
+                <a:lnSpc>
+                  <a:spcPct val="110000"/>
+                </a:lnSpc>
+              </a:pPr>
+              <a:r>
+                <a:rPr lang="en-GB" sz="1200" b="1" spc="80" dirty="0">
+                  <a:solidFill>
+                    <a:schemeClr val="bg1"/>
+                  </a:solidFill>
+                  <a:latin typeface="Poppins SemiBold" pitchFamily="2" charset="77"/>
+                  <a:cs typeface="Poppins SemiBold" pitchFamily="2" charset="77"/>
+                </a:rPr>
+                <a:t>x – xx</a:t>
+              </a:r>
+            </a:p>
+          </p:txBody>
+        </p:sp>
+      </p:grpSp>
+    </p:spTree>
+    <p:extLst>
+      <p:ext uri="{BB962C8B-B14F-4D97-AF65-F5344CB8AC3E}">
+        <p14:creationId xmlns:p14="http://schemas.microsoft.com/office/powerpoint/2010/main" val="213906961"/>
+      </p:ext>
+    </p:extLst>
+  </p:cSld>
+  <p:clrMapOvr>
+    <a:masterClrMapping/>
+  </p:clrMapOvr>
+</p:sld>
+</file>
+
+<file path=ppt/slides/slide5.xml><?xml version="1.0" encoding="utf-8"?>
+<p:sld xmlns:a="http://schemas.openxmlformats.org/drawingml/2006/main" xmlns:r="http://schemas.openxmlformats.org/officeDocument/2006/relationships" xmlns:p="http://schemas.openxmlformats.org/presentationml/2006/main">
+  <p:cSld>
+    <p:spTree>
+      <p:nvGrpSpPr>
+        <p:cNvPr id="1" name=""/>
+        <p:cNvGrpSpPr/>
+        <p:nvPr/>
+      </p:nvGrpSpPr>
+      <p:grpSpPr>
+        <a:xfrm>
+          <a:off x="0" y="0"/>
+          <a:ext cx="0" cy="0"/>
+          <a:chOff x="0" y="0"/>
+          <a:chExt cx="0" cy="0"/>
+        </a:xfrm>
+      </p:grpSpPr>
       <p:sp>
         <p:nvSpPr>
           <p:cNvPr id="2" name="Rectangle 1">
